--- a/help/data-sheets/assets/OnlineSupportDatasheet.pptx
+++ b/help/data-sheets/assets/OnlineSupportDatasheet.pptx
@@ -131,7 +131,7 @@
 <file path=ppt/revisionInfo.xml><?xml version="1.0" encoding="utf-8"?>
 <p1510:revInfo xmlns:a="http://schemas.openxmlformats.org/drawingml/2006/main" xmlns:r="http://schemas.openxmlformats.org/officeDocument/2006/relationships" xmlns:p1510="http://schemas.microsoft.com/office/powerpoint/2015/10/main">
   <p1510:revLst>
-    <p1510:client id="{5343DD59-8FB2-7AAD-1875-255EDB54B98D}" v="367" dt="2021-09-22T18:47:16.489"/>
+    <p1510:client id="{096F7488-A26A-D845-83B0-BE2FC48D1AFD}" v="1" dt="2021-10-13T19:37:08.512"/>
   </p1510:revLst>
 </p1510:revInfo>
 </file>
@@ -167,6 +167,186 @@
             <ac:graphicFrameMk id="25" creationId="{3A91F5B0-3974-A14D-A146-FB590F2AAD18}"/>
           </ac:graphicFrameMkLst>
         </pc:graphicFrameChg>
+      </pc:sldChg>
+    </pc:docChg>
+  </pc:docChgLst>
+  <pc:docChgLst>
+    <pc:chgData name="Akilah Johnson" userId="S::akjohnso@adobe.com::2fa3aa60-0c9c-4d06-bae2-795983241227" providerId="AD" clId="Web-{57A486D7-8267-4044-450E-B1D42691F1A4}"/>
+    <pc:docChg chg="modSld">
+      <pc:chgData name="Akilah Johnson" userId="S::akjohnso@adobe.com::2fa3aa60-0c9c-4d06-bae2-795983241227" providerId="AD" clId="Web-{57A486D7-8267-4044-450E-B1D42691F1A4}" dt="2021-10-12T15:47:55.091" v="2" actId="20577"/>
+      <pc:docMkLst>
+        <pc:docMk/>
+      </pc:docMkLst>
+      <pc:sldChg chg="modSp">
+        <pc:chgData name="Akilah Johnson" userId="S::akjohnso@adobe.com::2fa3aa60-0c9c-4d06-bae2-795983241227" providerId="AD" clId="Web-{57A486D7-8267-4044-450E-B1D42691F1A4}" dt="2021-10-12T15:47:55.091" v="2" actId="20577"/>
+        <pc:sldMkLst>
+          <pc:docMk/>
+          <pc:sldMk cId="0" sldId="256"/>
+        </pc:sldMkLst>
+        <pc:spChg chg="mod">
+          <ac:chgData name="Akilah Johnson" userId="S::akjohnso@adobe.com::2fa3aa60-0c9c-4d06-bae2-795983241227" providerId="AD" clId="Web-{57A486D7-8267-4044-450E-B1D42691F1A4}" dt="2021-10-12T15:47:55.091" v="2" actId="20577"/>
+          <ac:spMkLst>
+            <pc:docMk/>
+            <pc:sldMk cId="0" sldId="256"/>
+            <ac:spMk id="5" creationId="{00000000-0000-0000-0000-000000000000}"/>
+          </ac:spMkLst>
+        </pc:spChg>
+      </pc:sldChg>
+    </pc:docChg>
+  </pc:docChgLst>
+  <pc:docChgLst>
+    <pc:chgData name="Lauren Schutte" userId="6e08b2d3-447a-4d66-86be-444d50df187f" providerId="ADAL" clId="{096F7488-A26A-D845-83B0-BE2FC48D1AFD}"/>
+    <pc:docChg chg="modSld">
+      <pc:chgData name="Lauren Schutte" userId="6e08b2d3-447a-4d66-86be-444d50df187f" providerId="ADAL" clId="{096F7488-A26A-D845-83B0-BE2FC48D1AFD}" dt="2021-10-13T19:38:26.139" v="4" actId="20577"/>
+      <pc:docMkLst>
+        <pc:docMk/>
+      </pc:docMkLst>
+      <pc:sldChg chg="modSp mod">
+        <pc:chgData name="Lauren Schutte" userId="6e08b2d3-447a-4d66-86be-444d50df187f" providerId="ADAL" clId="{096F7488-A26A-D845-83B0-BE2FC48D1AFD}" dt="2021-10-13T19:37:16.686" v="2" actId="242"/>
+        <pc:sldMkLst>
+          <pc:docMk/>
+          <pc:sldMk cId="0" sldId="256"/>
+        </pc:sldMkLst>
+        <pc:graphicFrameChg chg="mod modGraphic">
+          <ac:chgData name="Lauren Schutte" userId="6e08b2d3-447a-4d66-86be-444d50df187f" providerId="ADAL" clId="{096F7488-A26A-D845-83B0-BE2FC48D1AFD}" dt="2021-10-13T19:37:16.686" v="2" actId="242"/>
+          <ac:graphicFrameMkLst>
+            <pc:docMk/>
+            <pc:sldMk cId="0" sldId="256"/>
+            <ac:graphicFrameMk id="9" creationId="{00000000-0000-0000-0000-000000000000}"/>
+          </ac:graphicFrameMkLst>
+        </pc:graphicFrameChg>
+      </pc:sldChg>
+      <pc:sldChg chg="modSp mod">
+        <pc:chgData name="Lauren Schutte" userId="6e08b2d3-447a-4d66-86be-444d50df187f" providerId="ADAL" clId="{096F7488-A26A-D845-83B0-BE2FC48D1AFD}" dt="2021-10-13T19:38:11.810" v="3" actId="20577"/>
+        <pc:sldMkLst>
+          <pc:docMk/>
+          <pc:sldMk cId="0" sldId="257"/>
+        </pc:sldMkLst>
+        <pc:spChg chg="mod">
+          <ac:chgData name="Lauren Schutte" userId="6e08b2d3-447a-4d66-86be-444d50df187f" providerId="ADAL" clId="{096F7488-A26A-D845-83B0-BE2FC48D1AFD}" dt="2021-10-13T19:38:11.810" v="3" actId="20577"/>
+          <ac:spMkLst>
+            <pc:docMk/>
+            <pc:sldMk cId="0" sldId="257"/>
+            <ac:spMk id="39" creationId="{00000000-0000-0000-0000-000000000000}"/>
+          </ac:spMkLst>
+        </pc:spChg>
+      </pc:sldChg>
+      <pc:sldChg chg="modSp mod">
+        <pc:chgData name="Lauren Schutte" userId="6e08b2d3-447a-4d66-86be-444d50df187f" providerId="ADAL" clId="{096F7488-A26A-D845-83B0-BE2FC48D1AFD}" dt="2021-10-13T19:38:26.139" v="4" actId="20577"/>
+        <pc:sldMkLst>
+          <pc:docMk/>
+          <pc:sldMk cId="799510854" sldId="260"/>
+        </pc:sldMkLst>
+        <pc:graphicFrameChg chg="modGraphic">
+          <ac:chgData name="Lauren Schutte" userId="6e08b2d3-447a-4d66-86be-444d50df187f" providerId="ADAL" clId="{096F7488-A26A-D845-83B0-BE2FC48D1AFD}" dt="2021-10-13T19:38:26.139" v="4" actId="20577"/>
+          <ac:graphicFrameMkLst>
+            <pc:docMk/>
+            <pc:sldMk cId="799510854" sldId="260"/>
+            <ac:graphicFrameMk id="111" creationId="{D8653CEC-4213-DE40-9BAF-D1E3318FF89C}"/>
+          </ac:graphicFrameMkLst>
+        </pc:graphicFrameChg>
+      </pc:sldChg>
+    </pc:docChg>
+  </pc:docChgLst>
+  <pc:docChgLst>
+    <pc:chgData name="Akilah Johnson" userId="S::akjohnso@adobe.com::2fa3aa60-0c9c-4d06-bae2-795983241227" providerId="AD" clId="Web-{CF46E89E-48FC-BA32-13C5-654DDA452FDC}"/>
+    <pc:docChg chg="modSld">
+      <pc:chgData name="Akilah Johnson" userId="S::akjohnso@adobe.com::2fa3aa60-0c9c-4d06-bae2-795983241227" providerId="AD" clId="Web-{CF46E89E-48FC-BA32-13C5-654DDA452FDC}" dt="2021-10-12T17:00:50.675" v="21" actId="20577"/>
+      <pc:docMkLst>
+        <pc:docMk/>
+      </pc:docMkLst>
+      <pc:sldChg chg="modSp">
+        <pc:chgData name="Akilah Johnson" userId="S::akjohnso@adobe.com::2fa3aa60-0c9c-4d06-bae2-795983241227" providerId="AD" clId="Web-{CF46E89E-48FC-BA32-13C5-654DDA452FDC}" dt="2021-10-12T16:58:10.550" v="6" actId="20577"/>
+        <pc:sldMkLst>
+          <pc:docMk/>
+          <pc:sldMk cId="0" sldId="256"/>
+        </pc:sldMkLst>
+        <pc:spChg chg="mod">
+          <ac:chgData name="Akilah Johnson" userId="S::akjohnso@adobe.com::2fa3aa60-0c9c-4d06-bae2-795983241227" providerId="AD" clId="Web-{CF46E89E-48FC-BA32-13C5-654DDA452FDC}" dt="2021-10-12T16:58:10.550" v="6" actId="20577"/>
+          <ac:spMkLst>
+            <pc:docMk/>
+            <pc:sldMk cId="0" sldId="256"/>
+            <ac:spMk id="2" creationId="{00000000-0000-0000-0000-000000000000}"/>
+          </ac:spMkLst>
+        </pc:spChg>
+        <pc:graphicFrameChg chg="mod modGraphic">
+          <ac:chgData name="Akilah Johnson" userId="S::akjohnso@adobe.com::2fa3aa60-0c9c-4d06-bae2-795983241227" providerId="AD" clId="Web-{CF46E89E-48FC-BA32-13C5-654DDA452FDC}" dt="2021-10-12T16:57:07.113" v="1"/>
+          <ac:graphicFrameMkLst>
+            <pc:docMk/>
+            <pc:sldMk cId="0" sldId="256"/>
+            <ac:graphicFrameMk id="8" creationId="{00000000-0000-0000-0000-000000000000}"/>
+          </ac:graphicFrameMkLst>
+        </pc:graphicFrameChg>
+      </pc:sldChg>
+      <pc:sldChg chg="modSp">
+        <pc:chgData name="Akilah Johnson" userId="S::akjohnso@adobe.com::2fa3aa60-0c9c-4d06-bae2-795983241227" providerId="AD" clId="Web-{CF46E89E-48FC-BA32-13C5-654DDA452FDC}" dt="2021-10-12T16:59:59.628" v="14" actId="20577"/>
+        <pc:sldMkLst>
+          <pc:docMk/>
+          <pc:sldMk cId="0" sldId="257"/>
+        </pc:sldMkLst>
+        <pc:spChg chg="mod">
+          <ac:chgData name="Akilah Johnson" userId="S::akjohnso@adobe.com::2fa3aa60-0c9c-4d06-bae2-795983241227" providerId="AD" clId="Web-{CF46E89E-48FC-BA32-13C5-654DDA452FDC}" dt="2021-10-12T16:59:21.300" v="12" actId="20577"/>
+          <ac:spMkLst>
+            <pc:docMk/>
+            <pc:sldMk cId="0" sldId="257"/>
+            <ac:spMk id="39" creationId="{00000000-0000-0000-0000-000000000000}"/>
+          </ac:spMkLst>
+        </pc:spChg>
+        <pc:spChg chg="mod">
+          <ac:chgData name="Akilah Johnson" userId="S::akjohnso@adobe.com::2fa3aa60-0c9c-4d06-bae2-795983241227" providerId="AD" clId="Web-{CF46E89E-48FC-BA32-13C5-654DDA452FDC}" dt="2021-10-12T16:59:59.628" v="14" actId="20577"/>
+          <ac:spMkLst>
+            <pc:docMk/>
+            <pc:sldMk cId="0" sldId="257"/>
+            <ac:spMk id="46" creationId="{00000000-0000-0000-0000-000000000000}"/>
+          </ac:spMkLst>
+        </pc:spChg>
+      </pc:sldChg>
+      <pc:sldChg chg="modSp">
+        <pc:chgData name="Akilah Johnson" userId="S::akjohnso@adobe.com::2fa3aa60-0c9c-4d06-bae2-795983241227" providerId="AD" clId="Web-{CF46E89E-48FC-BA32-13C5-654DDA452FDC}" dt="2021-10-12T17:00:50.675" v="21" actId="20577"/>
+        <pc:sldMkLst>
+          <pc:docMk/>
+          <pc:sldMk cId="799510854" sldId="260"/>
+        </pc:sldMkLst>
+        <pc:spChg chg="mod">
+          <ac:chgData name="Akilah Johnson" userId="S::akjohnso@adobe.com::2fa3aa60-0c9c-4d06-bae2-795983241227" providerId="AD" clId="Web-{CF46E89E-48FC-BA32-13C5-654DDA452FDC}" dt="2021-10-12T17:00:50.675" v="21" actId="20577"/>
+          <ac:spMkLst>
+            <pc:docMk/>
+            <pc:sldMk cId="799510854" sldId="260"/>
+            <ac:spMk id="24" creationId="{00000000-0000-0000-0000-000000000000}"/>
+          </ac:spMkLst>
+        </pc:spChg>
+        <pc:spChg chg="mod">
+          <ac:chgData name="Akilah Johnson" userId="S::akjohnso@adobe.com::2fa3aa60-0c9c-4d06-bae2-795983241227" providerId="AD" clId="Web-{CF46E89E-48FC-BA32-13C5-654DDA452FDC}" dt="2021-10-12T17:00:45.784" v="19" actId="20577"/>
+          <ac:spMkLst>
+            <pc:docMk/>
+            <pc:sldMk cId="799510854" sldId="260"/>
+            <ac:spMk id="56" creationId="{00000000-0000-0000-0000-000000000000}"/>
+          </ac:spMkLst>
+        </pc:spChg>
+      </pc:sldChg>
+    </pc:docChg>
+  </pc:docChgLst>
+  <pc:docChgLst>
+    <pc:chgData name="Akilah Johnson" userId="S::akjohnso@adobe.com::2fa3aa60-0c9c-4d06-bae2-795983241227" providerId="AD" clId="Web-{19E88417-C612-7196-8214-73025F75FA84}"/>
+    <pc:docChg chg="modSld">
+      <pc:chgData name="Akilah Johnson" userId="S::akjohnso@adobe.com::2fa3aa60-0c9c-4d06-bae2-795983241227" providerId="AD" clId="Web-{19E88417-C612-7196-8214-73025F75FA84}" dt="2021-10-12T19:15:42.562" v="5" actId="20577"/>
+      <pc:docMkLst>
+        <pc:docMk/>
+      </pc:docMkLst>
+      <pc:sldChg chg="modSp">
+        <pc:chgData name="Akilah Johnson" userId="S::akjohnso@adobe.com::2fa3aa60-0c9c-4d06-bae2-795983241227" providerId="AD" clId="Web-{19E88417-C612-7196-8214-73025F75FA84}" dt="2021-10-12T19:15:42.562" v="5" actId="20577"/>
+        <pc:sldMkLst>
+          <pc:docMk/>
+          <pc:sldMk cId="0" sldId="256"/>
+        </pc:sldMkLst>
+        <pc:spChg chg="mod">
+          <ac:chgData name="Akilah Johnson" userId="S::akjohnso@adobe.com::2fa3aa60-0c9c-4d06-bae2-795983241227" providerId="AD" clId="Web-{19E88417-C612-7196-8214-73025F75FA84}" dt="2021-10-12T19:15:42.562" v="5" actId="20577"/>
+          <ac:spMkLst>
+            <pc:docMk/>
+            <pc:sldMk cId="0" sldId="256"/>
+            <ac:spMk id="13" creationId="{7979C0CC-523E-844A-96DC-75FC662E01AB}"/>
+          </ac:spMkLst>
+        </pc:spChg>
       </pc:sldChg>
     </pc:docChg>
   </pc:docChgLst>
@@ -255,7 +435,7 @@
           <a:p>
             <a:fld id="{A438815C-EDE5-F947-A55F-7634403F36C4}" type="datetimeFigureOut">
               <a:rPr lang="en-US" smtClean="0"/>
-              <a:t>9/22/2021</a:t>
+              <a:t>10/13/21</a:t>
             </a:fld>
             <a:endParaRPr lang="en-US"/>
           </a:p>
@@ -878,7 +1058,7 @@
           <a:p>
             <a:fld id="{1D8BD707-D9CF-40AE-B4C6-C98DA3205C09}" type="datetimeFigureOut">
               <a:rPr lang="en-US"/>
-              <a:t>9/22/2021</a:t>
+              <a:t>10/13/21</a:t>
             </a:fld>
             <a:endParaRPr lang="en-US"/>
           </a:p>
@@ -1062,7 +1242,7 @@
           <a:p>
             <a:fld id="{1D8BD707-D9CF-40AE-B4C6-C98DA3205C09}" type="datetimeFigureOut">
               <a:rPr lang="en-US"/>
-              <a:t>9/22/2021</a:t>
+              <a:t>10/13/21</a:t>
             </a:fld>
             <a:endParaRPr lang="en-US"/>
           </a:p>
@@ -1364,7 +1544,7 @@
           <a:p>
             <a:fld id="{1D8BD707-D9CF-40AE-B4C6-C98DA3205C09}" type="datetimeFigureOut">
               <a:rPr lang="en-US"/>
-              <a:t>9/22/2021</a:t>
+              <a:t>10/13/21</a:t>
             </a:fld>
             <a:endParaRPr lang="en-US"/>
           </a:p>
@@ -1619,22 +1799,19 @@
         <p:spPr>
           <a:xfrm>
             <a:off x="95250" y="7228840"/>
-            <a:ext cx="2800350" cy="238760"/>
+            <a:ext cx="2884717" cy="227626"/>
           </a:xfrm>
           <a:prstGeom prst="rect">
             <a:avLst/>
           </a:prstGeom>
         </p:spPr>
         <p:txBody>
-          <a:bodyPr vert="horz" wrap="square" lIns="0" tIns="12065" rIns="0" bIns="0" rtlCol="0">
+          <a:bodyPr vert="horz" wrap="square" lIns="0" tIns="12065" rIns="0" bIns="0" rtlCol="0" anchor="t">
             <a:spAutoFit/>
           </a:bodyPr>
           <a:lstStyle/>
           <a:p>
             <a:pPr marL="12700">
-              <a:lnSpc>
-                <a:spcPct val="100000"/>
-              </a:lnSpc>
               <a:spcBef>
                 <a:spcPts val="95"/>
               </a:spcBef>
@@ -1700,7 +1877,7 @@
               <a:t>Initial</a:t>
             </a:r>
             <a:r>
-              <a:rPr sz="1400" b="1" u="heavy" spc="-140" dirty="0">
+              <a:rPr lang="en-US" sz="1400" b="1" u="heavy" spc="-10" dirty="0">
                 <a:solidFill>
                   <a:srgbClr val="020302"/>
                 </a:solidFill>
@@ -1712,7 +1889,7 @@
                 <a:latin typeface="Adobe Clean"/>
                 <a:cs typeface="Adobe Clean"/>
               </a:rPr>
-              <a:t> </a:t>
+              <a:t> </a:t>
             </a:r>
             <a:r>
               <a:rPr sz="1400" b="1" u="heavy" spc="-15" dirty="0">
@@ -1781,7 +1958,7 @@
           </a:prstGeom>
         </p:spPr>
         <p:txBody>
-          <a:bodyPr vert="horz" wrap="square" lIns="0" tIns="24130" rIns="0" bIns="0" rtlCol="0">
+          <a:bodyPr vert="horz" wrap="square" lIns="0" tIns="24130" rIns="0" bIns="0" rtlCol="0" anchor="t">
             <a:spAutoFit/>
           </a:bodyPr>
           <a:lstStyle/>
@@ -1807,33 +1984,30 @@
                 <a:solidFill>
                   <a:schemeClr val="bg1"/>
                 </a:solidFill>
-                <a:latin typeface="Adobe Clean Light" panose="020B0303020404020204" pitchFamily="34" charset="0"/>
+                <a:latin typeface="Adobe Clean Light"/>
               </a:rPr>
               <a:t> | Business | Enterprise | Elite</a:t>
             </a:r>
             <a:br>
               <a:rPr lang="en-US" sz="900" dirty="0">
+                <a:latin typeface="Adobe Clean Light" panose="020B0303020404020204" pitchFamily="34" charset="0"/>
+              </a:rPr>
+            </a:br>
+            <a:r>
+              <a:rPr lang="en-US" sz="900" dirty="0">
                 <a:solidFill>
                   <a:schemeClr val="bg1"/>
                 </a:solidFill>
-                <a:latin typeface="Adobe Clean Light" panose="020B0303020404020204" pitchFamily="34" charset="0"/>
-              </a:rPr>
-            </a:br>
-            <a:r>
-              <a:rPr lang="en-US" sz="900" dirty="0">
+                <a:latin typeface="Adobe Clean SemiLight"/>
+              </a:rPr>
+              <a:t>Adobe provides a comprehensive range of technical resources to help support your business included as part of your Experience Cloud license subscription. Online support includes access to personalized learning paths and monitored community forums via the Adobe Experience League. You can take advantage of our detailed and in-depth technical product documentation and current release notes published on </a:t>
+            </a:r>
+            <a:r>
+              <a:rPr lang="en-US" sz="900" u="sng" dirty="0">
                 <a:solidFill>
                   <a:schemeClr val="bg1"/>
                 </a:solidFill>
-                <a:latin typeface="Adobe Clean SemiLight" panose="020B0403020404020204" pitchFamily="34" charset="0"/>
-              </a:rPr>
-              <a:t>Adobe provides a comprehensive range of technical resources to help support your business included as part of your Experience Cloud license subscription. Online support includes access to personalized learning paths and monitored community forums via the Adobe Experience League. You can take advantage of our detailed and in-depth technical product documentation and current release notes published on </a:t>
-            </a:r>
-            <a:r>
-              <a:rPr lang="en-US" sz="900" u="sng" dirty="0">
-                <a:solidFill>
-                  <a:schemeClr val="bg1"/>
-                </a:solidFill>
-                <a:latin typeface="Adobe Clean SemiLight" panose="020B0403020404020204" pitchFamily="34" charset="0"/>
+                <a:latin typeface="Adobe Clean SemiLight"/>
                 <a:hlinkClick r:id="rId4">
                   <a:extLst>
                     <a:ext uri="{A12FA001-AC4F-418D-AE19-62706E023703}">
@@ -1842,22 +2016,22 @@
                   </a:extLst>
                 </a:hlinkClick>
               </a:rPr>
-              <a:t>http://www.adobe.com</a:t>
+              <a:t>http://www.adobe.com. </a:t>
             </a:r>
             <a:r>
               <a:rPr lang="en-US" sz="900" dirty="0">
                 <a:solidFill>
                   <a:schemeClr val="bg1"/>
                 </a:solidFill>
-                <a:latin typeface="Adobe Clean SemiLight" panose="020B0403020404020204" pitchFamily="34" charset="0"/>
-              </a:rPr>
-              <a:t> Our Online package also includes access to our technical support teams for any critical P1 product issues via telephone to help protect your business at the most critical times as well as providing the ability to log lower priority requests for assistance via support web portal.</a:t>
+                <a:latin typeface="Adobe Clean SemiLight"/>
+              </a:rPr>
+              <a:t>Our Online package also includes access to our technical support teams for any critical P1 product issues via telephone to help protect your business at the most critical times as well as providing the ability to log lower priority requests for assistance via support web portal.</a:t>
             </a:r>
             <a:endParaRPr lang="en-US" sz="900" dirty="0">
               <a:solidFill>
                 <a:schemeClr val="bg1"/>
               </a:solidFill>
-              <a:latin typeface="Adobe Clean Light" panose="020B0303020404020204" pitchFamily="34" charset="0"/>
+              <a:latin typeface="Adobe Clean SemiLight"/>
               <a:cs typeface="AdobeClean-Light"/>
             </a:endParaRPr>
           </a:p>
@@ -1901,7 +2075,7 @@
           <p:nvPr>
             <p:extLst>
               <p:ext uri="{D42A27DB-BD31-4B8C-83A1-F6EECF244321}">
-                <p14:modId xmlns:p14="http://schemas.microsoft.com/office/powerpoint/2010/main" val="1019627915"/>
+                <p14:modId xmlns:p14="http://schemas.microsoft.com/office/powerpoint/2010/main" val="1047125657"/>
               </p:ext>
             </p:extLst>
           </p:nvPr>
@@ -5216,7 +5390,7 @@
                         <a:defRPr/>
                       </a:pPr>
                       <a:r>
-                        <a:rPr lang="en-US" sz="900" spc="0">
+                        <a:rPr lang="en-US" sz="900" spc="0" dirty="0">
                           <a:solidFill>
                             <a:srgbClr val="020302"/>
                           </a:solidFill>
@@ -5552,20 +5726,6 @@
                         </a:rPr>
                         <a:t>Review, Maintenance &amp; Monitoring</a:t>
                       </a:r>
-                      <a:r>
-                        <a:rPr lang="en-US" sz="900" spc="0" dirty="0">
-                          <a:solidFill>
-                            <a:srgbClr val="020302"/>
-                          </a:solidFill>
-                          <a:latin typeface="AdobeClean-Light"/>
-                          <a:cs typeface="AdobeClean-Light"/>
-                        </a:rPr>
-                        <a:t>,</a:t>
-                      </a:r>
-                      <a:endParaRPr sz="900" spc="0" dirty="0">
-                        <a:latin typeface="AdobeClean-Light"/>
-                        <a:cs typeface="AdobeClean-Light"/>
-                      </a:endParaRPr>
                     </a:p>
                   </a:txBody>
                   <a:tcPr marL="0" marR="0" marT="59055" marB="0">
@@ -6831,14 +6991,14 @@
           <p:nvPr>
             <p:extLst>
               <p:ext uri="{D42A27DB-BD31-4B8C-83A1-F6EECF244321}">
-                <p14:modId xmlns:p14="http://schemas.microsoft.com/office/powerpoint/2010/main" val="4076912474"/>
+                <p14:modId xmlns:p14="http://schemas.microsoft.com/office/powerpoint/2010/main" val="4081524108"/>
               </p:ext>
             </p:extLst>
           </p:nvPr>
         </p:nvGraphicFramePr>
         <p:xfrm>
           <a:off x="33527" y="7483227"/>
-          <a:ext cx="7705343" cy="2346573"/>
+          <a:ext cx="7705343" cy="2172787"/>
         </p:xfrm>
         <a:graphic>
           <a:graphicData uri="http://schemas.openxmlformats.org/drawingml/2006/table">
@@ -7011,11 +7171,14 @@
                       </a:solidFill>
                       <a:prstDash val="solid"/>
                     </a:lnT>
-                    <a:lnB w="76200">
+                    <a:lnB w="76200" cap="flat" cmpd="sng" algn="ctr">
                       <a:solidFill>
                         <a:srgbClr val="858585"/>
                       </a:solidFill>
                       <a:prstDash val="solid"/>
+                      <a:round/>
+                      <a:headEnd type="none" w="med" len="med"/>
+                      <a:tailEnd type="none" w="med" len="med"/>
                     </a:lnB>
                     <a:solidFill>
                       <a:srgbClr val="D9D9D9"/>
@@ -7090,11 +7253,14 @@
                       </a:solidFill>
                       <a:prstDash val="solid"/>
                     </a:lnT>
-                    <a:lnB w="76200">
+                    <a:lnB w="76200" cap="flat" cmpd="sng" algn="ctr">
                       <a:solidFill>
                         <a:srgbClr val="ACD2FF"/>
                       </a:solidFill>
                       <a:prstDash val="solid"/>
+                      <a:round/>
+                      <a:headEnd type="none" w="med" len="med"/>
+                      <a:tailEnd type="none" w="med" len="med"/>
                     </a:lnB>
                     <a:solidFill>
                       <a:srgbClr val="7D7D7D"/>
@@ -7169,11 +7335,14 @@
                       </a:solidFill>
                       <a:prstDash val="solid"/>
                     </a:lnT>
-                    <a:lnB w="76200">
+                    <a:lnB w="76200" cap="flat" cmpd="sng" algn="ctr">
                       <a:solidFill>
                         <a:srgbClr val="2E8FFF"/>
                       </a:solidFill>
                       <a:prstDash val="solid"/>
+                      <a:round/>
+                      <a:headEnd type="none" w="med" len="med"/>
+                      <a:tailEnd type="none" w="med" len="med"/>
                     </a:lnB>
                     <a:solidFill>
                       <a:srgbClr val="404040"/>
@@ -7248,11 +7417,14 @@
                       </a:solidFill>
                       <a:prstDash val="solid"/>
                     </a:lnT>
-                    <a:lnB w="76200">
+                    <a:lnB w="76200" cap="flat" cmpd="sng" algn="ctr">
                       <a:solidFill>
                         <a:srgbClr val="0068E1"/>
                       </a:solidFill>
                       <a:prstDash val="solid"/>
+                      <a:round/>
+                      <a:headEnd type="none" w="med" len="med"/>
+                      <a:tailEnd type="none" w="med" len="med"/>
                     </a:lnB>
                     <a:solidFill>
                       <a:srgbClr val="000000"/>
@@ -7326,11 +7498,14 @@
                       </a:solidFill>
                       <a:prstDash val="solid"/>
                     </a:lnL>
-                    <a:lnR w="3175">
+                    <a:lnR w="3175" cap="flat" cmpd="sng" algn="ctr">
                       <a:solidFill>
                         <a:srgbClr val="B7B8B8"/>
                       </a:solidFill>
                       <a:prstDash val="solid"/>
+                      <a:round/>
+                      <a:headEnd type="none" w="med" len="med"/>
+                      <a:tailEnd type="none" w="med" len="med"/>
                     </a:lnR>
                     <a:lnT w="3175">
                       <a:solidFill>
@@ -7351,379 +7526,155 @@
                     <a:bodyPr/>
                     <a:lstStyle/>
                     <a:p>
-                      <a:pPr marL="0" marR="325120" indent="-3810" algn="ctr">
-                        <a:lnSpc>
-                          <a:spcPct val="100000"/>
-                        </a:lnSpc>
-                        <a:spcBef>
-                          <a:spcPts val="670"/>
-                        </a:spcBef>
-                      </a:pPr>
+                      <a:pPr algn="ctr" fontAlgn="t"/>
                       <a:r>
-                        <a:rPr sz="900" spc="0" dirty="0">
+                        <a:rPr lang="en-US" sz="900" b="0" i="0" u="none" strike="noStrike">
                           <a:solidFill>
                             <a:srgbClr val="020302"/>
                           </a:solidFill>
-                          <a:latin typeface="AdobeClean-Light"/>
-                          <a:cs typeface="AdobeClean-Light"/>
+                          <a:effectLst/>
+                          <a:latin typeface="AdobeClean-Light" panose="020B0503020404020204" pitchFamily="34" charset="0"/>
                         </a:rPr>
-                        <a:t>24x7</a:t>
+                        <a:t>24x7 / 1 hour</a:t>
                       </a:r>
+                    </a:p>
+                  </a:txBody>
+                  <a:tcPr marL="9525" marR="9525" marT="9525" marB="0" anchor="ctr">
+                    <a:lnL w="3175">
+                      <a:solidFill>
+                        <a:srgbClr val="B7B8B8"/>
+                      </a:solidFill>
+                      <a:prstDash val="solid"/>
+                    </a:lnL>
+                    <a:lnR w="3175">
+                      <a:solidFill>
+                        <a:srgbClr val="B7B8B8"/>
+                      </a:solidFill>
+                      <a:prstDash val="solid"/>
+                    </a:lnR>
+                    <a:lnT w="76200">
+                      <a:solidFill>
+                        <a:srgbClr val="858585"/>
+                      </a:solidFill>
+                      <a:prstDash val="solid"/>
+                    </a:lnT>
+                    <a:lnB w="3175">
+                      <a:solidFill>
+                        <a:srgbClr val="B7B8B8"/>
+                      </a:solidFill>
+                      <a:prstDash val="solid"/>
+                    </a:lnB>
+                  </a:tcPr>
+                </a:tc>
+                <a:tc>
+                  <a:txBody>
+                    <a:bodyPr/>
+                    <a:lstStyle/>
+                    <a:p>
+                      <a:pPr algn="ctr" fontAlgn="t"/>
                       <a:r>
-                        <a:rPr lang="en-US" sz="900" spc="0" dirty="0">
+                        <a:rPr lang="en-US" sz="900" b="0" i="0" u="none" strike="noStrike">
                           <a:solidFill>
                             <a:srgbClr val="020302"/>
                           </a:solidFill>
-                          <a:latin typeface="AdobeClean-Light"/>
-                          <a:cs typeface="AdobeClean-Light"/>
+                          <a:effectLst/>
+                          <a:latin typeface="AdobeClean-Light" panose="020B0503020404020204" pitchFamily="34" charset="0"/>
                         </a:rPr>
-                        <a:t> </a:t>
+                        <a:t>24x7 / 1 hour</a:t>
                       </a:r>
+                    </a:p>
+                  </a:txBody>
+                  <a:tcPr marL="9525" marR="9525" marT="9525" marB="0" anchor="ctr">
+                    <a:lnL w="3175">
+                      <a:solidFill>
+                        <a:srgbClr val="B7B8B8"/>
+                      </a:solidFill>
+                      <a:prstDash val="solid"/>
+                    </a:lnL>
+                    <a:lnR w="3175">
+                      <a:solidFill>
+                        <a:srgbClr val="B7B8B8"/>
+                      </a:solidFill>
+                      <a:prstDash val="solid"/>
+                    </a:lnR>
+                    <a:lnT w="76200">
+                      <a:solidFill>
+                        <a:srgbClr val="ACD2FF"/>
+                      </a:solidFill>
+                      <a:prstDash val="solid"/>
+                    </a:lnT>
+                    <a:lnB w="3175">
+                      <a:solidFill>
+                        <a:srgbClr val="B7B8B8"/>
+                      </a:solidFill>
+                      <a:prstDash val="solid"/>
+                    </a:lnB>
+                  </a:tcPr>
+                </a:tc>
+                <a:tc>
+                  <a:txBody>
+                    <a:bodyPr/>
+                    <a:lstStyle/>
+                    <a:p>
+                      <a:pPr algn="ctr" fontAlgn="t"/>
                       <a:r>
-                        <a:rPr sz="900" spc="0" dirty="0">
+                        <a:rPr lang="en-US" sz="900" b="0" i="0" u="none" strike="noStrike">
                           <a:solidFill>
                             <a:srgbClr val="020302"/>
                           </a:solidFill>
-                          <a:latin typeface="AdobeClean-Light"/>
-                          <a:cs typeface="AdobeClean-Light"/>
+                          <a:effectLst/>
+                          <a:latin typeface="AdobeClean-Light" panose="020B0503020404020204" pitchFamily="34" charset="0"/>
                         </a:rPr>
-                        <a:t>/</a:t>
+                        <a:t>24x7 / 30 minutes</a:t>
                       </a:r>
+                    </a:p>
+                  </a:txBody>
+                  <a:tcPr marL="9525" marR="9525" marT="9525" marB="0" anchor="ctr">
+                    <a:lnL w="3175">
+                      <a:solidFill>
+                        <a:srgbClr val="B7B8B8"/>
+                      </a:solidFill>
+                      <a:prstDash val="solid"/>
+                    </a:lnL>
+                    <a:lnR w="3175">
+                      <a:solidFill>
+                        <a:srgbClr val="B7B8B8"/>
+                      </a:solidFill>
+                      <a:prstDash val="solid"/>
+                    </a:lnR>
+                    <a:lnT w="76200">
+                      <a:solidFill>
+                        <a:srgbClr val="2E8FFF"/>
+                      </a:solidFill>
+                      <a:prstDash val="solid"/>
+                    </a:lnT>
+                    <a:lnB w="3175">
+                      <a:solidFill>
+                        <a:srgbClr val="B7B8B8"/>
+                      </a:solidFill>
+                      <a:prstDash val="solid"/>
+                    </a:lnB>
+                  </a:tcPr>
+                </a:tc>
+                <a:tc>
+                  <a:txBody>
+                    <a:bodyPr/>
+                    <a:lstStyle/>
+                    <a:p>
+                      <a:pPr algn="ctr" fontAlgn="t"/>
                       <a:r>
-                        <a:rPr lang="en-US" sz="900" spc="0" dirty="0">
+                        <a:rPr lang="en-US" sz="900" b="0" i="0" u="none" strike="noStrike">
                           <a:solidFill>
                             <a:srgbClr val="020302"/>
                           </a:solidFill>
-                          <a:latin typeface="AdobeClean-Light"/>
-                          <a:cs typeface="AdobeClean-Light"/>
+                          <a:effectLst/>
+                          <a:latin typeface="AdobeClean-Light" panose="020B0503020404020204" pitchFamily="34" charset="0"/>
                         </a:rPr>
-                        <a:t>                </a:t>
+                        <a:t>24x7 / 15 minutes</a:t>
                       </a:r>
-                      <a:r>
-                        <a:rPr sz="900" spc="0" dirty="0">
-                          <a:solidFill>
-                            <a:srgbClr val="020302"/>
-                          </a:solidFill>
-                          <a:latin typeface="AdobeClean-Light"/>
-                          <a:cs typeface="AdobeClean-Light"/>
-                        </a:rPr>
-                        <a:t>1</a:t>
-                      </a:r>
-                      <a:r>
-                        <a:rPr lang="en-US" sz="900" spc="0" dirty="0">
-                          <a:solidFill>
-                            <a:srgbClr val="020302"/>
-                          </a:solidFill>
-                          <a:latin typeface="AdobeClean-Light"/>
-                          <a:cs typeface="AdobeClean-Light"/>
-                        </a:rPr>
-                        <a:t> </a:t>
-                      </a:r>
-                      <a:r>
-                        <a:rPr sz="900" spc="0" dirty="0">
-                          <a:solidFill>
-                            <a:srgbClr val="020302"/>
-                          </a:solidFill>
-                          <a:latin typeface="AdobeClean-Light"/>
-                          <a:cs typeface="AdobeClean-Light"/>
-                        </a:rPr>
-                        <a:t>hour</a:t>
-                      </a:r>
-                      <a:endParaRPr sz="900" spc="0" dirty="0">
-                        <a:latin typeface="AdobeClean-Light"/>
-                        <a:cs typeface="AdobeClean-Light"/>
-                      </a:endParaRPr>
-                    </a:p>
-                  </a:txBody>
-                  <a:tcPr marL="0" marR="0" marT="0" marB="0" anchor="ctr">
-                    <a:lnL w="3175">
-                      <a:solidFill>
-                        <a:srgbClr val="B7B8B8"/>
-                      </a:solidFill>
-                      <a:prstDash val="solid"/>
-                    </a:lnL>
-                    <a:lnR w="3175">
-                      <a:solidFill>
-                        <a:srgbClr val="B7B8B8"/>
-                      </a:solidFill>
-                      <a:prstDash val="solid"/>
-                    </a:lnR>
-                    <a:lnT w="76200">
-                      <a:solidFill>
-                        <a:srgbClr val="858585"/>
-                      </a:solidFill>
-                      <a:prstDash val="solid"/>
-                    </a:lnT>
-                    <a:lnB w="3175">
-                      <a:solidFill>
-                        <a:srgbClr val="B7B8B8"/>
-                      </a:solidFill>
-                      <a:prstDash val="solid"/>
-                    </a:lnB>
-                  </a:tcPr>
-                </a:tc>
-                <a:tc>
-                  <a:txBody>
-                    <a:bodyPr/>
-                    <a:lstStyle/>
-                    <a:p>
-                      <a:pPr marL="0" marR="325755" indent="-3810" algn="ctr">
-                        <a:lnSpc>
-                          <a:spcPct val="100000"/>
-                        </a:lnSpc>
-                        <a:spcBef>
-                          <a:spcPts val="670"/>
-                        </a:spcBef>
-                      </a:pPr>
-                      <a:r>
-                        <a:rPr sz="900" spc="0" dirty="0">
-                          <a:solidFill>
-                            <a:srgbClr val="020302"/>
-                          </a:solidFill>
-                          <a:latin typeface="AdobeClean-Light"/>
-                          <a:cs typeface="AdobeClean-Light"/>
-                        </a:rPr>
-                        <a:t>24x7</a:t>
-                      </a:r>
-                      <a:r>
-                        <a:rPr lang="en-US" sz="900" spc="0" dirty="0">
-                          <a:solidFill>
-                            <a:srgbClr val="020302"/>
-                          </a:solidFill>
-                          <a:latin typeface="AdobeClean-Light"/>
-                          <a:cs typeface="AdobeClean-Light"/>
-                        </a:rPr>
-                        <a:t> </a:t>
-                      </a:r>
-                      <a:r>
-                        <a:rPr sz="900" spc="0" dirty="0">
-                          <a:solidFill>
-                            <a:srgbClr val="020302"/>
-                          </a:solidFill>
-                          <a:latin typeface="AdobeClean-Light"/>
-                          <a:cs typeface="AdobeClean-Light"/>
-                        </a:rPr>
-                        <a:t>/  </a:t>
-                      </a:r>
-                      <a:r>
-                        <a:rPr lang="en-US" sz="900" spc="0" dirty="0">
-                          <a:solidFill>
-                            <a:srgbClr val="020302"/>
-                          </a:solidFill>
-                          <a:latin typeface="AdobeClean-Light"/>
-                          <a:cs typeface="AdobeClean-Light"/>
-                        </a:rPr>
-                        <a:t>            </a:t>
-                      </a:r>
-                      <a:r>
-                        <a:rPr sz="900" spc="0" dirty="0">
-                          <a:solidFill>
-                            <a:srgbClr val="020302"/>
-                          </a:solidFill>
-                          <a:latin typeface="AdobeClean-Light"/>
-                          <a:cs typeface="AdobeClean-Light"/>
-                        </a:rPr>
-                        <a:t>1 hour</a:t>
-                      </a:r>
-                      <a:endParaRPr sz="900" spc="0" dirty="0">
-                        <a:latin typeface="AdobeClean-Light"/>
-                        <a:cs typeface="AdobeClean-Light"/>
-                      </a:endParaRPr>
-                    </a:p>
-                  </a:txBody>
-                  <a:tcPr marL="0" marR="0" marT="0" marB="0" anchor="ctr">
-                    <a:lnL w="3175">
-                      <a:solidFill>
-                        <a:srgbClr val="B7B8B8"/>
-                      </a:solidFill>
-                      <a:prstDash val="solid"/>
-                    </a:lnL>
-                    <a:lnR w="3175">
-                      <a:solidFill>
-                        <a:srgbClr val="B7B8B8"/>
-                      </a:solidFill>
-                      <a:prstDash val="solid"/>
-                    </a:lnR>
-                    <a:lnT w="76200">
-                      <a:solidFill>
-                        <a:srgbClr val="ACD2FF"/>
-                      </a:solidFill>
-                      <a:prstDash val="solid"/>
-                    </a:lnT>
-                    <a:lnB w="3175">
-                      <a:solidFill>
-                        <a:srgbClr val="B7B8B8"/>
-                      </a:solidFill>
-                      <a:prstDash val="solid"/>
-                    </a:lnB>
-                  </a:tcPr>
-                </a:tc>
-                <a:tc>
-                  <a:txBody>
-                    <a:bodyPr/>
-                    <a:lstStyle/>
-                    <a:p>
-                      <a:pPr marL="0" marR="258445" indent="115570" algn="ctr">
-                        <a:lnSpc>
-                          <a:spcPct val="100000"/>
-                        </a:lnSpc>
-                        <a:spcBef>
-                          <a:spcPts val="670"/>
-                        </a:spcBef>
-                      </a:pPr>
-                      <a:r>
-                        <a:rPr sz="900" spc="0" dirty="0">
-                          <a:solidFill>
-                            <a:srgbClr val="020302"/>
-                          </a:solidFill>
-                          <a:latin typeface="AdobeClean-Light"/>
-                          <a:cs typeface="AdobeClean-Light"/>
-                        </a:rPr>
-                        <a:t>24x7 /  </a:t>
-                      </a:r>
-                      <a:r>
-                        <a:rPr lang="en-US" sz="900" spc="0" dirty="0">
-                          <a:solidFill>
-                            <a:srgbClr val="020302"/>
-                          </a:solidFill>
-                          <a:latin typeface="AdobeClean-Light"/>
-                          <a:cs typeface="AdobeClean-Light"/>
-                        </a:rPr>
-                        <a:t>         </a:t>
-                      </a:r>
-                      <a:r>
-                        <a:rPr sz="900" spc="0" dirty="0">
-                          <a:solidFill>
-                            <a:srgbClr val="020302"/>
-                          </a:solidFill>
-                          <a:latin typeface="AdobeClean-Light"/>
-                          <a:cs typeface="AdobeClean-Light"/>
-                        </a:rPr>
-                        <a:t>30</a:t>
-                      </a:r>
-                      <a:r>
-                        <a:rPr lang="en-US" sz="900" spc="0" dirty="0">
-                          <a:solidFill>
-                            <a:srgbClr val="020302"/>
-                          </a:solidFill>
-                          <a:latin typeface="AdobeClean-Light"/>
-                          <a:cs typeface="AdobeClean-Light"/>
-                        </a:rPr>
-                        <a:t> </a:t>
-                      </a:r>
-                      <a:r>
-                        <a:rPr sz="900" spc="0" dirty="0">
-                          <a:solidFill>
-                            <a:srgbClr val="020302"/>
-                          </a:solidFill>
-                          <a:latin typeface="AdobeClean-Light"/>
-                          <a:cs typeface="AdobeClean-Light"/>
-                        </a:rPr>
-                        <a:t>minutes</a:t>
-                      </a:r>
-                      <a:endParaRPr sz="900" spc="0" dirty="0">
-                        <a:latin typeface="AdobeClean-Light"/>
-                        <a:cs typeface="AdobeClean-Light"/>
-                      </a:endParaRPr>
-                    </a:p>
-                  </a:txBody>
-                  <a:tcPr marL="0" marR="0" marT="0" marB="0" anchor="ctr">
-                    <a:lnL w="3175">
-                      <a:solidFill>
-                        <a:srgbClr val="B7B8B8"/>
-                      </a:solidFill>
-                      <a:prstDash val="solid"/>
-                    </a:lnL>
-                    <a:lnR w="3175">
-                      <a:solidFill>
-                        <a:srgbClr val="B7B8B8"/>
-                      </a:solidFill>
-                      <a:prstDash val="solid"/>
-                    </a:lnR>
-                    <a:lnT w="76200">
-                      <a:solidFill>
-                        <a:srgbClr val="2E8FFF"/>
-                      </a:solidFill>
-                      <a:prstDash val="solid"/>
-                    </a:lnT>
-                    <a:lnB w="3175">
-                      <a:solidFill>
-                        <a:srgbClr val="B7B8B8"/>
-                      </a:solidFill>
-                      <a:prstDash val="solid"/>
-                    </a:lnB>
-                  </a:tcPr>
-                </a:tc>
-                <a:tc>
-                  <a:txBody>
-                    <a:bodyPr/>
-                    <a:lstStyle/>
-                    <a:p>
-                      <a:pPr marL="0" marR="271780" indent="103505" algn="ctr">
-                        <a:lnSpc>
-                          <a:spcPct val="100000"/>
-                        </a:lnSpc>
-                        <a:spcBef>
-                          <a:spcPts val="670"/>
-                        </a:spcBef>
-                      </a:pPr>
-                      <a:r>
-                        <a:rPr sz="900" spc="0" dirty="0">
-                          <a:solidFill>
-                            <a:srgbClr val="020302"/>
-                          </a:solidFill>
-                          <a:latin typeface="AdobeClean-Light"/>
-                          <a:cs typeface="AdobeClean-Light"/>
-                        </a:rPr>
-                        <a:t>24x7 / </a:t>
-                      </a:r>
-                      <a:r>
-                        <a:rPr lang="en-US" sz="900" spc="0" dirty="0">
-                          <a:solidFill>
-                            <a:srgbClr val="020302"/>
-                          </a:solidFill>
-                          <a:latin typeface="AdobeClean-Light"/>
-                          <a:cs typeface="AdobeClean-Light"/>
-                        </a:rPr>
-                        <a:t>       </a:t>
-                      </a:r>
-                      <a:r>
-                        <a:rPr sz="900" spc="0" dirty="0">
-                          <a:solidFill>
-                            <a:srgbClr val="020302"/>
-                          </a:solidFill>
-                          <a:latin typeface="AdobeClean-Light"/>
-                          <a:cs typeface="AdobeClean-Light"/>
-                        </a:rPr>
-                        <a:t> 15</a:t>
-                      </a:r>
-                      <a:r>
-                        <a:rPr lang="en-US" sz="900" spc="0" dirty="0">
-                          <a:solidFill>
-                            <a:srgbClr val="020302"/>
-                          </a:solidFill>
-                          <a:latin typeface="AdobeClean-Light"/>
-                          <a:cs typeface="AdobeClean-Light"/>
-                        </a:rPr>
-                        <a:t> </a:t>
-                      </a:r>
-                      <a:r>
-                        <a:rPr sz="900" spc="0" dirty="0">
-                          <a:solidFill>
-                            <a:srgbClr val="020302"/>
-                          </a:solidFill>
-                          <a:latin typeface="AdobeClean-Light"/>
-                          <a:cs typeface="AdobeClean-Light"/>
-                        </a:rPr>
-                        <a:t>minutes</a:t>
-                      </a:r>
-                      <a:endParaRPr sz="900" spc="0" dirty="0">
-                        <a:latin typeface="AdobeClean-Light"/>
-                        <a:cs typeface="AdobeClean-Light"/>
-                      </a:endParaRPr>
-                    </a:p>
-                  </a:txBody>
-                  <a:tcPr marL="0" marR="0" marT="0" marB="0" anchor="ctr">
+                    </a:p>
+                  </a:txBody>
+                  <a:tcPr marL="9525" marR="9525" marT="9525" marB="0" anchor="ctr">
                     <a:lnL w="3175">
                       <a:solidFill>
                         <a:srgbClr val="B7B8B8"/>
@@ -7826,11 +7777,14 @@
                       </a:solidFill>
                       <a:prstDash val="solid"/>
                     </a:lnL>
-                    <a:lnR w="3175">
+                    <a:lnR w="3175" cap="flat" cmpd="sng" algn="ctr">
                       <a:solidFill>
                         <a:srgbClr val="B7B8B8"/>
                       </a:solidFill>
                       <a:prstDash val="solid"/>
+                      <a:round/>
+                      <a:headEnd type="none" w="med" len="med"/>
+                      <a:tailEnd type="none" w="med" len="med"/>
                     </a:lnR>
                     <a:lnT w="3175">
                       <a:solidFill>
@@ -7851,399 +7805,155 @@
                     <a:bodyPr/>
                     <a:lstStyle/>
                     <a:p>
-                      <a:pPr marL="0" marR="184785" indent="-193675" algn="ctr">
-                        <a:lnSpc>
-                          <a:spcPct val="100000"/>
-                        </a:lnSpc>
-                        <a:spcBef>
-                          <a:spcPts val="670"/>
-                        </a:spcBef>
-                      </a:pPr>
+                      <a:pPr algn="ctr" fontAlgn="t"/>
                       <a:r>
-                        <a:rPr sz="900" spc="0" dirty="0">
+                        <a:rPr lang="en-US" sz="900" b="0" i="0" u="none" strike="noStrike">
                           <a:solidFill>
                             <a:srgbClr val="020302"/>
                           </a:solidFill>
-                          <a:latin typeface="AdobeClean-Light"/>
-                          <a:cs typeface="AdobeClean-Light"/>
+                          <a:effectLst/>
+                          <a:latin typeface="AdobeClean-Light" panose="020B0503020404020204" pitchFamily="34" charset="0"/>
                         </a:rPr>
-                        <a:t>Business</a:t>
+                        <a:t>Business hours / 4 hours</a:t>
                       </a:r>
+                    </a:p>
+                  </a:txBody>
+                  <a:tcPr marL="9525" marR="9525" marT="9525" marB="0" anchor="ctr">
+                    <a:lnL w="3175">
+                      <a:solidFill>
+                        <a:srgbClr val="B7B8B8"/>
+                      </a:solidFill>
+                      <a:prstDash val="solid"/>
+                    </a:lnL>
+                    <a:lnR w="3175">
+                      <a:solidFill>
+                        <a:srgbClr val="B7B8B8"/>
+                      </a:solidFill>
+                      <a:prstDash val="solid"/>
+                    </a:lnR>
+                    <a:lnT w="3175">
+                      <a:solidFill>
+                        <a:srgbClr val="B7B8B8"/>
+                      </a:solidFill>
+                      <a:prstDash val="solid"/>
+                    </a:lnT>
+                    <a:lnB w="3175">
+                      <a:solidFill>
+                        <a:srgbClr val="B7B8B8"/>
+                      </a:solidFill>
+                      <a:prstDash val="solid"/>
+                    </a:lnB>
+                  </a:tcPr>
+                </a:tc>
+                <a:tc>
+                  <a:txBody>
+                    <a:bodyPr/>
+                    <a:lstStyle/>
+                    <a:p>
+                      <a:pPr algn="ctr" fontAlgn="t"/>
                       <a:r>
-                        <a:rPr lang="en-US" sz="900" spc="0" dirty="0">
+                        <a:rPr lang="en-US" sz="900" b="0" i="0" u="none" strike="noStrike">
                           <a:solidFill>
                             <a:srgbClr val="020302"/>
                           </a:solidFill>
-                          <a:latin typeface="AdobeClean-Light"/>
-                          <a:cs typeface="AdobeClean-Light"/>
+                          <a:effectLst/>
+                          <a:latin typeface="AdobeClean-Light" panose="020B0503020404020204" pitchFamily="34" charset="0"/>
                         </a:rPr>
-                        <a:t> </a:t>
+                        <a:t>Business hours / 2 hours</a:t>
                       </a:r>
+                    </a:p>
+                  </a:txBody>
+                  <a:tcPr marL="9525" marR="9525" marT="9525" marB="0" anchor="ctr">
+                    <a:lnL w="3175">
+                      <a:solidFill>
+                        <a:srgbClr val="B7B8B8"/>
+                      </a:solidFill>
+                      <a:prstDash val="solid"/>
+                    </a:lnL>
+                    <a:lnR w="3175">
+                      <a:solidFill>
+                        <a:srgbClr val="B7B8B8"/>
+                      </a:solidFill>
+                      <a:prstDash val="solid"/>
+                    </a:lnR>
+                    <a:lnT w="3175">
+                      <a:solidFill>
+                        <a:srgbClr val="B7B8B8"/>
+                      </a:solidFill>
+                      <a:prstDash val="solid"/>
+                    </a:lnT>
+                    <a:lnB w="3175">
+                      <a:solidFill>
+                        <a:srgbClr val="B7B8B8"/>
+                      </a:solidFill>
+                      <a:prstDash val="solid"/>
+                    </a:lnB>
+                  </a:tcPr>
+                </a:tc>
+                <a:tc>
+                  <a:txBody>
+                    <a:bodyPr/>
+                    <a:lstStyle/>
+                    <a:p>
+                      <a:pPr algn="ctr" fontAlgn="t"/>
                       <a:r>
-                        <a:rPr sz="900" spc="0" dirty="0">
+                        <a:rPr lang="en-US" sz="900" b="0" i="0" u="none" strike="noStrike">
                           <a:solidFill>
                             <a:srgbClr val="020302"/>
                           </a:solidFill>
-                          <a:latin typeface="AdobeClean-Light"/>
-                          <a:cs typeface="AdobeClean-Light"/>
+                          <a:effectLst/>
+                          <a:latin typeface="AdobeClean-Light" panose="020B0503020404020204" pitchFamily="34" charset="0"/>
                         </a:rPr>
-                        <a:t>hours</a:t>
+                        <a:t>24x5 / 1 hour</a:t>
                       </a:r>
+                    </a:p>
+                  </a:txBody>
+                  <a:tcPr marL="9525" marR="9525" marT="9525" marB="0" anchor="ctr">
+                    <a:lnL w="3175">
+                      <a:solidFill>
+                        <a:srgbClr val="B7B8B8"/>
+                      </a:solidFill>
+                      <a:prstDash val="solid"/>
+                    </a:lnL>
+                    <a:lnR w="3175">
+                      <a:solidFill>
+                        <a:srgbClr val="B7B8B8"/>
+                      </a:solidFill>
+                      <a:prstDash val="solid"/>
+                    </a:lnR>
+                    <a:lnT w="3175">
+                      <a:solidFill>
+                        <a:srgbClr val="B7B8B8"/>
+                      </a:solidFill>
+                      <a:prstDash val="solid"/>
+                    </a:lnT>
+                    <a:lnB w="3175">
+                      <a:solidFill>
+                        <a:srgbClr val="B7B8B8"/>
+                      </a:solidFill>
+                      <a:prstDash val="solid"/>
+                    </a:lnB>
+                  </a:tcPr>
+                </a:tc>
+                <a:tc>
+                  <a:txBody>
+                    <a:bodyPr/>
+                    <a:lstStyle/>
+                    <a:p>
+                      <a:pPr algn="ctr" fontAlgn="t"/>
                       <a:r>
-                        <a:rPr lang="en-US" sz="900" spc="0" dirty="0">
+                        <a:rPr lang="en-US" sz="900" b="0" i="0" u="none" strike="noStrike">
                           <a:solidFill>
                             <a:srgbClr val="020302"/>
                           </a:solidFill>
-                          <a:latin typeface="AdobeClean-Light"/>
-                          <a:cs typeface="AdobeClean-Light"/>
+                          <a:effectLst/>
+                          <a:latin typeface="AdobeClean-Light" panose="020B0503020404020204" pitchFamily="34" charset="0"/>
                         </a:rPr>
-                        <a:t> </a:t>
+                        <a:t>24x5 / 30 minutes</a:t>
                       </a:r>
-                      <a:r>
-                        <a:rPr sz="900" spc="0" dirty="0">
-                          <a:solidFill>
-                            <a:srgbClr val="020302"/>
-                          </a:solidFill>
-                          <a:latin typeface="AdobeClean-Light"/>
-                          <a:cs typeface="AdobeClean-Light"/>
-                        </a:rPr>
-                        <a:t>/  </a:t>
-                      </a:r>
-                      <a:r>
-                        <a:rPr lang="en-US" sz="900" spc="0" dirty="0">
-                          <a:solidFill>
-                            <a:srgbClr val="020302"/>
-                          </a:solidFill>
-                          <a:latin typeface="AdobeClean-Light"/>
-                          <a:cs typeface="AdobeClean-Light"/>
-                        </a:rPr>
-                        <a:t>         </a:t>
-                      </a:r>
-                      <a:r>
-                        <a:rPr sz="900" spc="0" dirty="0">
-                          <a:solidFill>
-                            <a:srgbClr val="020302"/>
-                          </a:solidFill>
-                          <a:latin typeface="AdobeClean-Light"/>
-                          <a:cs typeface="AdobeClean-Light"/>
-                        </a:rPr>
-                        <a:t>4 hours</a:t>
-                      </a:r>
-                      <a:endParaRPr sz="900" spc="0" dirty="0">
-                        <a:latin typeface="AdobeClean-Light"/>
-                        <a:cs typeface="AdobeClean-Light"/>
-                      </a:endParaRPr>
-                    </a:p>
-                  </a:txBody>
-                  <a:tcPr marL="0" marR="0" marT="0" marB="0" anchor="ctr">
-                    <a:lnL w="3175">
-                      <a:solidFill>
-                        <a:srgbClr val="B7B8B8"/>
-                      </a:solidFill>
-                      <a:prstDash val="solid"/>
-                    </a:lnL>
-                    <a:lnR w="3175">
-                      <a:solidFill>
-                        <a:srgbClr val="B7B8B8"/>
-                      </a:solidFill>
-                      <a:prstDash val="solid"/>
-                    </a:lnR>
-                    <a:lnT w="3175">
-                      <a:solidFill>
-                        <a:srgbClr val="B7B8B8"/>
-                      </a:solidFill>
-                      <a:prstDash val="solid"/>
-                    </a:lnT>
-                    <a:lnB w="3175">
-                      <a:solidFill>
-                        <a:srgbClr val="B7B8B8"/>
-                      </a:solidFill>
-                      <a:prstDash val="solid"/>
-                    </a:lnB>
-                  </a:tcPr>
-                </a:tc>
-                <a:tc>
-                  <a:txBody>
-                    <a:bodyPr/>
-                    <a:lstStyle/>
-                    <a:p>
-                      <a:pPr marL="0" marR="184785" indent="-194310" algn="ctr">
-                        <a:lnSpc>
-                          <a:spcPct val="100000"/>
-                        </a:lnSpc>
-                        <a:spcBef>
-                          <a:spcPts val="670"/>
-                        </a:spcBef>
-                      </a:pPr>
-                      <a:r>
-                        <a:rPr sz="900" spc="0" dirty="0">
-                          <a:solidFill>
-                            <a:srgbClr val="020302"/>
-                          </a:solidFill>
-                          <a:latin typeface="AdobeClean-Light"/>
-                          <a:cs typeface="AdobeClean-Light"/>
-                        </a:rPr>
-                        <a:t>Business</a:t>
-                      </a:r>
-                      <a:r>
-                        <a:rPr lang="en-US" sz="900" spc="0" dirty="0">
-                          <a:solidFill>
-                            <a:srgbClr val="020302"/>
-                          </a:solidFill>
-                          <a:latin typeface="AdobeClean-Light"/>
-                          <a:cs typeface="AdobeClean-Light"/>
-                        </a:rPr>
-                        <a:t> </a:t>
-                      </a:r>
-                      <a:r>
-                        <a:rPr sz="900" spc="0" dirty="0">
-                          <a:solidFill>
-                            <a:srgbClr val="020302"/>
-                          </a:solidFill>
-                          <a:latin typeface="AdobeClean-Light"/>
-                          <a:cs typeface="AdobeClean-Light"/>
-                        </a:rPr>
-                        <a:t>hours</a:t>
-                      </a:r>
-                      <a:r>
-                        <a:rPr lang="en-US" sz="900" spc="0" dirty="0">
-                          <a:solidFill>
-                            <a:srgbClr val="020302"/>
-                          </a:solidFill>
-                          <a:latin typeface="AdobeClean-Light"/>
-                          <a:cs typeface="AdobeClean-Light"/>
-                        </a:rPr>
-                        <a:t> </a:t>
-                      </a:r>
-                      <a:r>
-                        <a:rPr sz="900" spc="0" dirty="0">
-                          <a:solidFill>
-                            <a:srgbClr val="020302"/>
-                          </a:solidFill>
-                          <a:latin typeface="AdobeClean-Light"/>
-                          <a:cs typeface="AdobeClean-Light"/>
-                        </a:rPr>
-                        <a:t>/  </a:t>
-                      </a:r>
-                      <a:r>
-                        <a:rPr lang="en-US" sz="900" spc="0" dirty="0">
-                          <a:solidFill>
-                            <a:srgbClr val="020302"/>
-                          </a:solidFill>
-                          <a:latin typeface="AdobeClean-Light"/>
-                          <a:cs typeface="AdobeClean-Light"/>
-                        </a:rPr>
-                        <a:t>        </a:t>
-                      </a:r>
-                      <a:r>
-                        <a:rPr sz="900" spc="0" dirty="0">
-                          <a:solidFill>
-                            <a:srgbClr val="020302"/>
-                          </a:solidFill>
-                          <a:latin typeface="AdobeClean-Light"/>
-                          <a:cs typeface="AdobeClean-Light"/>
-                        </a:rPr>
-                        <a:t>2 hours</a:t>
-                      </a:r>
-                      <a:endParaRPr sz="900" spc="0" dirty="0">
-                        <a:latin typeface="AdobeClean-Light"/>
-                        <a:cs typeface="AdobeClean-Light"/>
-                      </a:endParaRPr>
-                    </a:p>
-                  </a:txBody>
-                  <a:tcPr marL="0" marR="0" marT="0" marB="0" anchor="ctr">
-                    <a:lnL w="3175">
-                      <a:solidFill>
-                        <a:srgbClr val="B7B8B8"/>
-                      </a:solidFill>
-                      <a:prstDash val="solid"/>
-                    </a:lnL>
-                    <a:lnR w="3175">
-                      <a:solidFill>
-                        <a:srgbClr val="B7B8B8"/>
-                      </a:solidFill>
-                      <a:prstDash val="solid"/>
-                    </a:lnR>
-                    <a:lnT w="3175">
-                      <a:solidFill>
-                        <a:srgbClr val="B7B8B8"/>
-                      </a:solidFill>
-                      <a:prstDash val="solid"/>
-                    </a:lnT>
-                    <a:lnB w="3175">
-                      <a:solidFill>
-                        <a:srgbClr val="B7B8B8"/>
-                      </a:solidFill>
-                      <a:prstDash val="solid"/>
-                    </a:lnB>
-                  </a:tcPr>
-                </a:tc>
-                <a:tc>
-                  <a:txBody>
-                    <a:bodyPr/>
-                    <a:lstStyle/>
-                    <a:p>
-                      <a:pPr marL="0" marR="325755" indent="-5715" algn="ctr">
-                        <a:lnSpc>
-                          <a:spcPct val="100000"/>
-                        </a:lnSpc>
-                        <a:spcBef>
-                          <a:spcPts val="670"/>
-                        </a:spcBef>
-                      </a:pPr>
-                      <a:r>
-                        <a:rPr sz="900" spc="0" dirty="0">
-                          <a:solidFill>
-                            <a:srgbClr val="020302"/>
-                          </a:solidFill>
-                          <a:latin typeface="AdobeClean-Light"/>
-                          <a:cs typeface="AdobeClean-Light"/>
-                        </a:rPr>
-                        <a:t>24x5</a:t>
-                      </a:r>
-                      <a:r>
-                        <a:rPr lang="en-US" sz="900" spc="0" dirty="0">
-                          <a:solidFill>
-                            <a:srgbClr val="020302"/>
-                          </a:solidFill>
-                          <a:latin typeface="AdobeClean-Light"/>
-                          <a:cs typeface="AdobeClean-Light"/>
-                        </a:rPr>
-                        <a:t> </a:t>
-                      </a:r>
-                      <a:r>
-                        <a:rPr sz="900" spc="0" dirty="0">
-                          <a:solidFill>
-                            <a:srgbClr val="020302"/>
-                          </a:solidFill>
-                          <a:latin typeface="AdobeClean-Light"/>
-                          <a:cs typeface="AdobeClean-Light"/>
-                        </a:rPr>
-                        <a:t>/  </a:t>
-                      </a:r>
-                      <a:r>
-                        <a:rPr lang="en-US" sz="900" spc="0" dirty="0">
-                          <a:solidFill>
-                            <a:srgbClr val="020302"/>
-                          </a:solidFill>
-                          <a:latin typeface="AdobeClean-Light"/>
-                          <a:cs typeface="AdobeClean-Light"/>
-                        </a:rPr>
-                        <a:t>              </a:t>
-                      </a:r>
-                      <a:r>
-                        <a:rPr sz="900" spc="0" dirty="0">
-                          <a:solidFill>
-                            <a:srgbClr val="020302"/>
-                          </a:solidFill>
-                          <a:latin typeface="AdobeClean-Light"/>
-                          <a:cs typeface="AdobeClean-Light"/>
-                        </a:rPr>
-                        <a:t>1 hour</a:t>
-                      </a:r>
-                      <a:endParaRPr sz="900" spc="0" dirty="0">
-                        <a:latin typeface="AdobeClean-Light"/>
-                        <a:cs typeface="AdobeClean-Light"/>
-                      </a:endParaRPr>
-                    </a:p>
-                  </a:txBody>
-                  <a:tcPr marL="0" marR="0" marT="0" marB="0" anchor="ctr">
-                    <a:lnL w="3175">
-                      <a:solidFill>
-                        <a:srgbClr val="B7B8B8"/>
-                      </a:solidFill>
-                      <a:prstDash val="solid"/>
-                    </a:lnL>
-                    <a:lnR w="3175">
-                      <a:solidFill>
-                        <a:srgbClr val="B7B8B8"/>
-                      </a:solidFill>
-                      <a:prstDash val="solid"/>
-                    </a:lnR>
-                    <a:lnT w="3175">
-                      <a:solidFill>
-                        <a:srgbClr val="B7B8B8"/>
-                      </a:solidFill>
-                      <a:prstDash val="solid"/>
-                    </a:lnT>
-                    <a:lnB w="3175">
-                      <a:solidFill>
-                        <a:srgbClr val="B7B8B8"/>
-                      </a:solidFill>
-                      <a:prstDash val="solid"/>
-                    </a:lnB>
-                  </a:tcPr>
-                </a:tc>
-                <a:tc>
-                  <a:txBody>
-                    <a:bodyPr/>
-                    <a:lstStyle/>
-                    <a:p>
-                      <a:pPr marL="0" marR="259079" indent="111760" algn="ctr">
-                        <a:lnSpc>
-                          <a:spcPct val="100000"/>
-                        </a:lnSpc>
-                        <a:spcBef>
-                          <a:spcPts val="670"/>
-                        </a:spcBef>
-                      </a:pPr>
-                      <a:r>
-                        <a:rPr sz="900" spc="0" dirty="0">
-                          <a:solidFill>
-                            <a:srgbClr val="020302"/>
-                          </a:solidFill>
-                          <a:latin typeface="AdobeClean-Light"/>
-                          <a:cs typeface="AdobeClean-Light"/>
-                        </a:rPr>
-                        <a:t>24x5 /  </a:t>
-                      </a:r>
-                      <a:r>
-                        <a:rPr lang="en-US" sz="900" spc="0" dirty="0">
-                          <a:solidFill>
-                            <a:srgbClr val="020302"/>
-                          </a:solidFill>
-                          <a:latin typeface="AdobeClean-Light"/>
-                          <a:cs typeface="AdobeClean-Light"/>
-                        </a:rPr>
-                        <a:t>       </a:t>
-                      </a:r>
-                      <a:r>
-                        <a:rPr sz="900" spc="0" dirty="0">
-                          <a:solidFill>
-                            <a:srgbClr val="020302"/>
-                          </a:solidFill>
-                          <a:latin typeface="AdobeClean-Light"/>
-                          <a:cs typeface="AdobeClean-Light"/>
-                        </a:rPr>
-                        <a:t>30</a:t>
-                      </a:r>
-                      <a:r>
-                        <a:rPr lang="en-US" sz="900" spc="0" dirty="0">
-                          <a:solidFill>
-                            <a:srgbClr val="020302"/>
-                          </a:solidFill>
-                          <a:latin typeface="AdobeClean-Light"/>
-                          <a:cs typeface="AdobeClean-Light"/>
-                        </a:rPr>
-                        <a:t> </a:t>
-                      </a:r>
-                      <a:r>
-                        <a:rPr sz="900" spc="0" dirty="0">
-                          <a:solidFill>
-                            <a:srgbClr val="020302"/>
-                          </a:solidFill>
-                          <a:latin typeface="AdobeClean-Light"/>
-                          <a:cs typeface="AdobeClean-Light"/>
-                        </a:rPr>
-                        <a:t>minutes</a:t>
-                      </a:r>
-                      <a:endParaRPr sz="900" spc="0" dirty="0">
-                        <a:latin typeface="AdobeClean-Light"/>
-                        <a:cs typeface="AdobeClean-Light"/>
-                      </a:endParaRPr>
-                    </a:p>
-                  </a:txBody>
-                  <a:tcPr marL="0" marR="0" marT="0" marB="0" anchor="ctr">
+                    </a:p>
+                  </a:txBody>
+                  <a:tcPr marL="9525" marR="9525" marT="9525" marB="0" anchor="ctr">
                     <a:lnL w="3175">
                       <a:solidFill>
                         <a:srgbClr val="B7B8B8"/>
@@ -8363,11 +8073,14 @@
                       </a:solidFill>
                       <a:prstDash val="solid"/>
                     </a:lnL>
-                    <a:lnR w="3175">
+                    <a:lnR w="3175" cap="flat" cmpd="sng" algn="ctr">
                       <a:solidFill>
                         <a:srgbClr val="B7B8B8"/>
                       </a:solidFill>
                       <a:prstDash val="solid"/>
+                      <a:round/>
+                      <a:headEnd type="none" w="med" len="med"/>
+                      <a:tailEnd type="none" w="med" len="med"/>
                     </a:lnR>
                     <a:lnT w="3175">
                       <a:solidFill>
@@ -8388,399 +8101,155 @@
                     <a:bodyPr/>
                     <a:lstStyle/>
                     <a:p>
-                      <a:pPr marL="0" marR="184150" indent="-189865" algn="ctr">
-                        <a:lnSpc>
-                          <a:spcPct val="100000"/>
-                        </a:lnSpc>
-                        <a:spcBef>
-                          <a:spcPts val="645"/>
-                        </a:spcBef>
-                      </a:pPr>
+                      <a:pPr algn="ctr" fontAlgn="t"/>
                       <a:r>
-                        <a:rPr sz="900" spc="0" dirty="0">
+                        <a:rPr lang="en-US" sz="900" b="0" i="0" u="none" strike="noStrike">
                           <a:solidFill>
                             <a:srgbClr val="020302"/>
                           </a:solidFill>
-                          <a:latin typeface="AdobeClean-Light"/>
-                          <a:cs typeface="AdobeClean-Light"/>
+                          <a:effectLst/>
+                          <a:latin typeface="AdobeClean-Light" panose="020B0503020404020204" pitchFamily="34" charset="0"/>
                         </a:rPr>
-                        <a:t>Business</a:t>
+                        <a:t>Business hours / 6 hours</a:t>
                       </a:r>
+                    </a:p>
+                  </a:txBody>
+                  <a:tcPr marL="9525" marR="9525" marT="9525" marB="0" anchor="ctr">
+                    <a:lnL w="3175">
+                      <a:solidFill>
+                        <a:srgbClr val="B7B8B8"/>
+                      </a:solidFill>
+                      <a:prstDash val="solid"/>
+                    </a:lnL>
+                    <a:lnR w="3175">
+                      <a:solidFill>
+                        <a:srgbClr val="B7B8B8"/>
+                      </a:solidFill>
+                      <a:prstDash val="solid"/>
+                    </a:lnR>
+                    <a:lnT w="3175">
+                      <a:solidFill>
+                        <a:srgbClr val="B7B8B8"/>
+                      </a:solidFill>
+                      <a:prstDash val="solid"/>
+                    </a:lnT>
+                    <a:lnB w="3175">
+                      <a:solidFill>
+                        <a:srgbClr val="B7B8B8"/>
+                      </a:solidFill>
+                      <a:prstDash val="solid"/>
+                    </a:lnB>
+                  </a:tcPr>
+                </a:tc>
+                <a:tc>
+                  <a:txBody>
+                    <a:bodyPr/>
+                    <a:lstStyle/>
+                    <a:p>
+                      <a:pPr algn="ctr" fontAlgn="t"/>
                       <a:r>
-                        <a:rPr lang="en-US" sz="900" spc="0" dirty="0">
+                        <a:rPr lang="en-US" sz="900" b="0" i="0" u="none" strike="noStrike">
                           <a:solidFill>
                             <a:srgbClr val="020302"/>
                           </a:solidFill>
-                          <a:latin typeface="AdobeClean-Light"/>
-                          <a:cs typeface="AdobeClean-Light"/>
+                          <a:effectLst/>
+                          <a:latin typeface="AdobeClean-Light" panose="020B0503020404020204" pitchFamily="34" charset="0"/>
                         </a:rPr>
-                        <a:t> </a:t>
+                        <a:t>Business hours /  4 hours</a:t>
                       </a:r>
+                    </a:p>
+                  </a:txBody>
+                  <a:tcPr marL="9525" marR="9525" marT="9525" marB="0" anchor="ctr">
+                    <a:lnL w="3175">
+                      <a:solidFill>
+                        <a:srgbClr val="B7B8B8"/>
+                      </a:solidFill>
+                      <a:prstDash val="solid"/>
+                    </a:lnL>
+                    <a:lnR w="3175">
+                      <a:solidFill>
+                        <a:srgbClr val="B7B8B8"/>
+                      </a:solidFill>
+                      <a:prstDash val="solid"/>
+                    </a:lnR>
+                    <a:lnT w="3175">
+                      <a:solidFill>
+                        <a:srgbClr val="B7B8B8"/>
+                      </a:solidFill>
+                      <a:prstDash val="solid"/>
+                    </a:lnT>
+                    <a:lnB w="3175">
+                      <a:solidFill>
+                        <a:srgbClr val="B7B8B8"/>
+                      </a:solidFill>
+                      <a:prstDash val="solid"/>
+                    </a:lnB>
+                  </a:tcPr>
+                </a:tc>
+                <a:tc>
+                  <a:txBody>
+                    <a:bodyPr/>
+                    <a:lstStyle/>
+                    <a:p>
+                      <a:pPr algn="ctr" fontAlgn="t"/>
                       <a:r>
-                        <a:rPr sz="900" spc="0" dirty="0">
+                        <a:rPr lang="en-US" sz="900" b="0" i="0" u="none" strike="noStrike">
                           <a:solidFill>
                             <a:srgbClr val="020302"/>
                           </a:solidFill>
-                          <a:latin typeface="AdobeClean-Light"/>
-                          <a:cs typeface="AdobeClean-Light"/>
+                          <a:effectLst/>
+                          <a:latin typeface="AdobeClean-Light" panose="020B0503020404020204" pitchFamily="34" charset="0"/>
                         </a:rPr>
-                        <a:t>hours</a:t>
+                        <a:t>Business hours / 2 hours</a:t>
                       </a:r>
+                    </a:p>
+                  </a:txBody>
+                  <a:tcPr marL="9525" marR="9525" marT="9525" marB="0" anchor="ctr">
+                    <a:lnL w="3175">
+                      <a:solidFill>
+                        <a:srgbClr val="B7B8B8"/>
+                      </a:solidFill>
+                      <a:prstDash val="solid"/>
+                    </a:lnL>
+                    <a:lnR w="3175">
+                      <a:solidFill>
+                        <a:srgbClr val="B7B8B8"/>
+                      </a:solidFill>
+                      <a:prstDash val="solid"/>
+                    </a:lnR>
+                    <a:lnT w="3175">
+                      <a:solidFill>
+                        <a:srgbClr val="B7B8B8"/>
+                      </a:solidFill>
+                      <a:prstDash val="solid"/>
+                    </a:lnT>
+                    <a:lnB w="3175">
+                      <a:solidFill>
+                        <a:srgbClr val="B7B8B8"/>
+                      </a:solidFill>
+                      <a:prstDash val="solid"/>
+                    </a:lnB>
+                  </a:tcPr>
+                </a:tc>
+                <a:tc>
+                  <a:txBody>
+                    <a:bodyPr/>
+                    <a:lstStyle/>
+                    <a:p>
+                      <a:pPr algn="ctr" fontAlgn="t"/>
                       <a:r>
-                        <a:rPr lang="en-US" sz="900" spc="0" dirty="0">
+                        <a:rPr lang="en-US" sz="900" b="0" i="0" u="none" strike="noStrike">
                           <a:solidFill>
                             <a:srgbClr val="020302"/>
                           </a:solidFill>
-                          <a:latin typeface="AdobeClean-Light"/>
-                          <a:cs typeface="AdobeClean-Light"/>
+                          <a:effectLst/>
+                          <a:latin typeface="AdobeClean-Light" panose="020B0503020404020204" pitchFamily="34" charset="0"/>
                         </a:rPr>
-                        <a:t> </a:t>
+                        <a:t>24x5 / 1 hour</a:t>
                       </a:r>
-                      <a:r>
-                        <a:rPr sz="900" spc="0" dirty="0">
-                          <a:solidFill>
-                            <a:srgbClr val="020302"/>
-                          </a:solidFill>
-                          <a:latin typeface="AdobeClean-Light"/>
-                          <a:cs typeface="AdobeClean-Light"/>
-                        </a:rPr>
-                        <a:t>/  </a:t>
-                      </a:r>
-                      <a:r>
-                        <a:rPr lang="en-US" sz="900" spc="0" dirty="0">
-                          <a:solidFill>
-                            <a:srgbClr val="020302"/>
-                          </a:solidFill>
-                          <a:latin typeface="AdobeClean-Light"/>
-                          <a:cs typeface="AdobeClean-Light"/>
-                        </a:rPr>
-                        <a:t>          </a:t>
-                      </a:r>
-                      <a:r>
-                        <a:rPr sz="900" spc="0" dirty="0">
-                          <a:solidFill>
-                            <a:srgbClr val="020302"/>
-                          </a:solidFill>
-                          <a:latin typeface="AdobeClean-Light"/>
-                          <a:cs typeface="AdobeClean-Light"/>
-                        </a:rPr>
-                        <a:t>6 hours</a:t>
-                      </a:r>
-                      <a:endParaRPr sz="900" spc="0" dirty="0">
-                        <a:latin typeface="AdobeClean-Light"/>
-                        <a:cs typeface="AdobeClean-Light"/>
-                      </a:endParaRPr>
-                    </a:p>
-                  </a:txBody>
-                  <a:tcPr marL="0" marR="0" marT="0" marB="0" anchor="ctr">
-                    <a:lnL w="3175">
-                      <a:solidFill>
-                        <a:srgbClr val="B7B8B8"/>
-                      </a:solidFill>
-                      <a:prstDash val="solid"/>
-                    </a:lnL>
-                    <a:lnR w="3175">
-                      <a:solidFill>
-                        <a:srgbClr val="B7B8B8"/>
-                      </a:solidFill>
-                      <a:prstDash val="solid"/>
-                    </a:lnR>
-                    <a:lnT w="3175">
-                      <a:solidFill>
-                        <a:srgbClr val="B7B8B8"/>
-                      </a:solidFill>
-                      <a:prstDash val="solid"/>
-                    </a:lnT>
-                    <a:lnB w="3175">
-                      <a:solidFill>
-                        <a:srgbClr val="B7B8B8"/>
-                      </a:solidFill>
-                      <a:prstDash val="solid"/>
-                    </a:lnB>
-                  </a:tcPr>
-                </a:tc>
-                <a:tc>
-                  <a:txBody>
-                    <a:bodyPr/>
-                    <a:lstStyle/>
-                    <a:p>
-                      <a:pPr marL="0" marR="185420" indent="-193675" algn="ctr">
-                        <a:lnSpc>
-                          <a:spcPct val="100000"/>
-                        </a:lnSpc>
-                        <a:spcBef>
-                          <a:spcPts val="645"/>
-                        </a:spcBef>
-                      </a:pPr>
-                      <a:r>
-                        <a:rPr sz="900" spc="0" dirty="0">
-                          <a:solidFill>
-                            <a:srgbClr val="020302"/>
-                          </a:solidFill>
-                          <a:latin typeface="AdobeClean-Light"/>
-                          <a:cs typeface="AdobeClean-Light"/>
-                        </a:rPr>
-                        <a:t>Business</a:t>
-                      </a:r>
-                      <a:r>
-                        <a:rPr lang="en-US" sz="900" spc="0" dirty="0">
-                          <a:solidFill>
-                            <a:srgbClr val="020302"/>
-                          </a:solidFill>
-                          <a:latin typeface="AdobeClean-Light"/>
-                          <a:cs typeface="AdobeClean-Light"/>
-                        </a:rPr>
-                        <a:t> </a:t>
-                      </a:r>
-                      <a:r>
-                        <a:rPr sz="900" spc="0" dirty="0">
-                          <a:solidFill>
-                            <a:srgbClr val="020302"/>
-                          </a:solidFill>
-                          <a:latin typeface="AdobeClean-Light"/>
-                          <a:cs typeface="AdobeClean-Light"/>
-                        </a:rPr>
-                        <a:t>hours</a:t>
-                      </a:r>
-                      <a:r>
-                        <a:rPr lang="en-US" sz="900" spc="0" dirty="0">
-                          <a:solidFill>
-                            <a:srgbClr val="020302"/>
-                          </a:solidFill>
-                          <a:latin typeface="AdobeClean-Light"/>
-                          <a:cs typeface="AdobeClean-Light"/>
-                        </a:rPr>
-                        <a:t> </a:t>
-                      </a:r>
-                      <a:r>
-                        <a:rPr sz="900" spc="0" dirty="0">
-                          <a:solidFill>
-                            <a:srgbClr val="020302"/>
-                          </a:solidFill>
-                          <a:latin typeface="AdobeClean-Light"/>
-                          <a:cs typeface="AdobeClean-Light"/>
-                        </a:rPr>
-                        <a:t>/  4 hours</a:t>
-                      </a:r>
-                      <a:endParaRPr sz="900" spc="0" dirty="0">
-                        <a:latin typeface="AdobeClean-Light"/>
-                        <a:cs typeface="AdobeClean-Light"/>
-                      </a:endParaRPr>
-                    </a:p>
-                  </a:txBody>
-                  <a:tcPr marL="0" marR="0" marT="0" marB="0" anchor="ctr">
-                    <a:lnL w="3175">
-                      <a:solidFill>
-                        <a:srgbClr val="B7B8B8"/>
-                      </a:solidFill>
-                      <a:prstDash val="solid"/>
-                    </a:lnL>
-                    <a:lnR w="3175">
-                      <a:solidFill>
-                        <a:srgbClr val="B7B8B8"/>
-                      </a:solidFill>
-                      <a:prstDash val="solid"/>
-                    </a:lnR>
-                    <a:lnT w="3175">
-                      <a:solidFill>
-                        <a:srgbClr val="B7B8B8"/>
-                      </a:solidFill>
-                      <a:prstDash val="solid"/>
-                    </a:lnT>
-                    <a:lnB w="3175">
-                      <a:solidFill>
-                        <a:srgbClr val="B7B8B8"/>
-                      </a:solidFill>
-                      <a:prstDash val="solid"/>
-                    </a:lnB>
-                  </a:tcPr>
-                </a:tc>
-                <a:tc>
-                  <a:txBody>
-                    <a:bodyPr/>
-                    <a:lstStyle/>
-                    <a:p>
-                      <a:pPr marL="0" marR="184785" indent="-194310" algn="ctr">
-                        <a:lnSpc>
-                          <a:spcPct val="100000"/>
-                        </a:lnSpc>
-                        <a:spcBef>
-                          <a:spcPts val="645"/>
-                        </a:spcBef>
-                      </a:pPr>
-                      <a:r>
-                        <a:rPr sz="900" spc="0" dirty="0">
-                          <a:solidFill>
-                            <a:srgbClr val="020302"/>
-                          </a:solidFill>
-                          <a:latin typeface="AdobeClean-Light"/>
-                          <a:cs typeface="AdobeClean-Light"/>
-                        </a:rPr>
-                        <a:t>Business</a:t>
-                      </a:r>
-                      <a:r>
-                        <a:rPr lang="en-US" sz="900" spc="0" dirty="0">
-                          <a:solidFill>
-                            <a:srgbClr val="020302"/>
-                          </a:solidFill>
-                          <a:latin typeface="AdobeClean-Light"/>
-                          <a:cs typeface="AdobeClean-Light"/>
-                        </a:rPr>
-                        <a:t> </a:t>
-                      </a:r>
-                      <a:r>
-                        <a:rPr sz="900" spc="0" dirty="0">
-                          <a:solidFill>
-                            <a:srgbClr val="020302"/>
-                          </a:solidFill>
-                          <a:latin typeface="AdobeClean-Light"/>
-                          <a:cs typeface="AdobeClean-Light"/>
-                        </a:rPr>
-                        <a:t>hours</a:t>
-                      </a:r>
-                      <a:r>
-                        <a:rPr lang="en-US" sz="900" spc="0" dirty="0">
-                          <a:solidFill>
-                            <a:srgbClr val="020302"/>
-                          </a:solidFill>
-                          <a:latin typeface="AdobeClean-Light"/>
-                          <a:cs typeface="AdobeClean-Light"/>
-                        </a:rPr>
-                        <a:t> </a:t>
-                      </a:r>
-                      <a:r>
-                        <a:rPr sz="900" spc="0" dirty="0">
-                          <a:solidFill>
-                            <a:srgbClr val="020302"/>
-                          </a:solidFill>
-                          <a:latin typeface="AdobeClean-Light"/>
-                          <a:cs typeface="AdobeClean-Light"/>
-                        </a:rPr>
-                        <a:t>/  </a:t>
-                      </a:r>
-                      <a:r>
-                        <a:rPr lang="en-US" sz="900" spc="0" dirty="0">
-                          <a:solidFill>
-                            <a:srgbClr val="020302"/>
-                          </a:solidFill>
-                          <a:latin typeface="AdobeClean-Light"/>
-                          <a:cs typeface="AdobeClean-Light"/>
-                        </a:rPr>
-                        <a:t>   </a:t>
-                      </a:r>
-                      <a:r>
-                        <a:rPr sz="900" spc="0" dirty="0">
-                          <a:solidFill>
-                            <a:srgbClr val="020302"/>
-                          </a:solidFill>
-                          <a:latin typeface="AdobeClean-Light"/>
-                          <a:cs typeface="AdobeClean-Light"/>
-                        </a:rPr>
-                        <a:t>2 hours</a:t>
-                      </a:r>
-                      <a:endParaRPr sz="900" spc="0" dirty="0">
-                        <a:latin typeface="AdobeClean-Light"/>
-                        <a:cs typeface="AdobeClean-Light"/>
-                      </a:endParaRPr>
-                    </a:p>
-                  </a:txBody>
-                  <a:tcPr marL="0" marR="0" marT="0" marB="0" anchor="ctr">
-                    <a:lnL w="3175">
-                      <a:solidFill>
-                        <a:srgbClr val="B7B8B8"/>
-                      </a:solidFill>
-                      <a:prstDash val="solid"/>
-                    </a:lnL>
-                    <a:lnR w="3175">
-                      <a:solidFill>
-                        <a:srgbClr val="B7B8B8"/>
-                      </a:solidFill>
-                      <a:prstDash val="solid"/>
-                    </a:lnR>
-                    <a:lnT w="3175">
-                      <a:solidFill>
-                        <a:srgbClr val="B7B8B8"/>
-                      </a:solidFill>
-                      <a:prstDash val="solid"/>
-                    </a:lnT>
-                    <a:lnB w="3175">
-                      <a:solidFill>
-                        <a:srgbClr val="B7B8B8"/>
-                      </a:solidFill>
-                      <a:prstDash val="solid"/>
-                    </a:lnB>
-                  </a:tcPr>
-                </a:tc>
-                <a:tc>
-                  <a:txBody>
-                    <a:bodyPr/>
-                    <a:lstStyle/>
-                    <a:p>
-                      <a:pPr marL="0" marR="326390" indent="-5715" algn="ctr">
-                        <a:lnSpc>
-                          <a:spcPct val="100000"/>
-                        </a:lnSpc>
-                        <a:spcBef>
-                          <a:spcPts val="645"/>
-                        </a:spcBef>
-                      </a:pPr>
-                      <a:r>
-                        <a:rPr sz="900" spc="0" dirty="0">
-                          <a:solidFill>
-                            <a:srgbClr val="020302"/>
-                          </a:solidFill>
-                          <a:latin typeface="AdobeClean-Light"/>
-                          <a:cs typeface="AdobeClean-Light"/>
-                        </a:rPr>
-                        <a:t>24x5</a:t>
-                      </a:r>
-                      <a:r>
-                        <a:rPr lang="en-US" sz="900" spc="0" dirty="0">
-                          <a:solidFill>
-                            <a:srgbClr val="020302"/>
-                          </a:solidFill>
-                          <a:latin typeface="AdobeClean-Light"/>
-                          <a:cs typeface="AdobeClean-Light"/>
-                        </a:rPr>
-                        <a:t> </a:t>
-                      </a:r>
-                      <a:r>
-                        <a:rPr sz="900" spc="0" dirty="0">
-                          <a:solidFill>
-                            <a:srgbClr val="020302"/>
-                          </a:solidFill>
-                          <a:latin typeface="AdobeClean-Light"/>
-                          <a:cs typeface="AdobeClean-Light"/>
-                        </a:rPr>
-                        <a:t>/  </a:t>
-                      </a:r>
-                      <a:r>
-                        <a:rPr lang="en-US" sz="900" spc="0" dirty="0">
-                          <a:solidFill>
-                            <a:srgbClr val="020302"/>
-                          </a:solidFill>
-                          <a:latin typeface="AdobeClean-Light"/>
-                          <a:cs typeface="AdobeClean-Light"/>
-                        </a:rPr>
-                        <a:t>           </a:t>
-                      </a:r>
-                      <a:r>
-                        <a:rPr sz="900" spc="0" dirty="0">
-                          <a:solidFill>
-                            <a:srgbClr val="020302"/>
-                          </a:solidFill>
-                          <a:latin typeface="AdobeClean-Light"/>
-                          <a:cs typeface="AdobeClean-Light"/>
-                        </a:rPr>
-                        <a:t>1 hour</a:t>
-                      </a:r>
-                      <a:endParaRPr sz="900" spc="0" dirty="0">
-                        <a:latin typeface="AdobeClean-Light"/>
-                        <a:cs typeface="AdobeClean-Light"/>
-                      </a:endParaRPr>
-                    </a:p>
-                  </a:txBody>
-                  <a:tcPr marL="0" marR="0" marT="0" marB="0" anchor="ctr">
+                    </a:p>
+                  </a:txBody>
+                  <a:tcPr marL="9525" marR="9525" marT="9525" marB="0" anchor="ctr">
                     <a:lnL w="3175">
                       <a:solidFill>
                         <a:srgbClr val="B7B8B8"/>
@@ -8883,11 +8352,14 @@
                       </a:solidFill>
                       <a:prstDash val="solid"/>
                     </a:lnL>
-                    <a:lnR w="3175">
+                    <a:lnR w="3175" cap="flat" cmpd="sng" algn="ctr">
                       <a:solidFill>
                         <a:srgbClr val="B7B8B8"/>
                       </a:solidFill>
                       <a:prstDash val="solid"/>
+                      <a:round/>
+                      <a:headEnd type="none" w="med" len="med"/>
+                      <a:tailEnd type="none" w="med" len="med"/>
                     </a:lnR>
                     <a:lnT w="3175">
                       <a:solidFill>
@@ -8908,439 +8380,155 @@
                     <a:bodyPr/>
                     <a:lstStyle/>
                     <a:p>
-                      <a:pPr marL="0" marR="203200" indent="-193040" algn="ctr">
-                        <a:lnSpc>
-                          <a:spcPct val="100000"/>
-                        </a:lnSpc>
-                        <a:spcBef>
-                          <a:spcPts val="155"/>
-                        </a:spcBef>
-                      </a:pPr>
+                      <a:pPr algn="ctr" fontAlgn="t"/>
                       <a:r>
-                        <a:rPr sz="900" spc="0" dirty="0">
+                        <a:rPr lang="en-US" sz="900" b="0" i="0" u="none" strike="noStrike">
                           <a:solidFill>
                             <a:srgbClr val="020302"/>
                           </a:solidFill>
-                          <a:latin typeface="AdobeClean-Light"/>
-                          <a:cs typeface="AdobeClean-Light"/>
+                          <a:effectLst/>
+                          <a:latin typeface="AdobeClean-Light" panose="020B0503020404020204" pitchFamily="34" charset="0"/>
                         </a:rPr>
-                        <a:t>Business</a:t>
+                        <a:t>Business days / 3 days</a:t>
                       </a:r>
+                    </a:p>
+                  </a:txBody>
+                  <a:tcPr marL="9525" marR="9525" marT="9525" marB="0" anchor="ctr">
+                    <a:lnL w="3175">
+                      <a:solidFill>
+                        <a:srgbClr val="B7B8B8"/>
+                      </a:solidFill>
+                      <a:prstDash val="solid"/>
+                    </a:lnL>
+                    <a:lnR w="3175">
+                      <a:solidFill>
+                        <a:srgbClr val="B7B8B8"/>
+                      </a:solidFill>
+                      <a:prstDash val="solid"/>
+                    </a:lnR>
+                    <a:lnT w="3175">
+                      <a:solidFill>
+                        <a:srgbClr val="B7B8B8"/>
+                      </a:solidFill>
+                      <a:prstDash val="solid"/>
+                    </a:lnT>
+                    <a:lnB w="3175">
+                      <a:solidFill>
+                        <a:srgbClr val="B7B8B8"/>
+                      </a:solidFill>
+                      <a:prstDash val="solid"/>
+                    </a:lnB>
+                  </a:tcPr>
+                </a:tc>
+                <a:tc>
+                  <a:txBody>
+                    <a:bodyPr/>
+                    <a:lstStyle/>
+                    <a:p>
+                      <a:pPr algn="ctr" fontAlgn="t"/>
                       <a:r>
-                        <a:rPr lang="en-US" sz="900" spc="0" dirty="0">
+                        <a:rPr lang="en-US" sz="900" b="0" i="0" u="none" strike="noStrike">
                           <a:solidFill>
                             <a:srgbClr val="020302"/>
                           </a:solidFill>
-                          <a:latin typeface="AdobeClean-Light"/>
-                          <a:cs typeface="AdobeClean-Light"/>
+                          <a:effectLst/>
+                          <a:latin typeface="AdobeClean-Light" panose="020B0503020404020204" pitchFamily="34" charset="0"/>
                         </a:rPr>
-                        <a:t> </a:t>
+                        <a:t>Business day / 1 day</a:t>
                       </a:r>
+                    </a:p>
+                  </a:txBody>
+                  <a:tcPr marL="9525" marR="9525" marT="9525" marB="0" anchor="ctr">
+                    <a:lnL w="3175">
+                      <a:solidFill>
+                        <a:srgbClr val="B7B8B8"/>
+                      </a:solidFill>
+                      <a:prstDash val="solid"/>
+                    </a:lnL>
+                    <a:lnR w="3175">
+                      <a:solidFill>
+                        <a:srgbClr val="B7B8B8"/>
+                      </a:solidFill>
+                      <a:prstDash val="solid"/>
+                    </a:lnR>
+                    <a:lnT w="3175">
+                      <a:solidFill>
+                        <a:srgbClr val="B7B8B8"/>
+                      </a:solidFill>
+                      <a:prstDash val="solid"/>
+                    </a:lnT>
+                    <a:lnB w="3175">
+                      <a:solidFill>
+                        <a:srgbClr val="B7B8B8"/>
+                      </a:solidFill>
+                      <a:prstDash val="solid"/>
+                    </a:lnB>
+                  </a:tcPr>
+                </a:tc>
+                <a:tc>
+                  <a:txBody>
+                    <a:bodyPr/>
+                    <a:lstStyle/>
+                    <a:p>
+                      <a:pPr algn="ctr" fontAlgn="t"/>
                       <a:r>
-                        <a:rPr sz="900" spc="0" dirty="0">
+                        <a:rPr lang="en-US" sz="900" b="0" i="0" u="none" strike="noStrike">
                           <a:solidFill>
                             <a:srgbClr val="020302"/>
                           </a:solidFill>
-                          <a:latin typeface="AdobeClean-Light"/>
-                          <a:cs typeface="AdobeClean-Light"/>
+                          <a:effectLst/>
+                          <a:latin typeface="AdobeClean-Light" panose="020B0503020404020204" pitchFamily="34" charset="0"/>
                         </a:rPr>
-                        <a:t>days</a:t>
+                        <a:t>Business day / 1 day</a:t>
                       </a:r>
+                    </a:p>
+                  </a:txBody>
+                  <a:tcPr marL="9525" marR="9525" marT="9525" marB="0" anchor="ctr">
+                    <a:lnL w="3175">
+                      <a:solidFill>
+                        <a:srgbClr val="B7B8B8"/>
+                      </a:solidFill>
+                      <a:prstDash val="solid"/>
+                    </a:lnL>
+                    <a:lnR w="3175">
+                      <a:solidFill>
+                        <a:srgbClr val="B7B8B8"/>
+                      </a:solidFill>
+                      <a:prstDash val="solid"/>
+                    </a:lnR>
+                    <a:lnT w="3175">
+                      <a:solidFill>
+                        <a:srgbClr val="B7B8B8"/>
+                      </a:solidFill>
+                      <a:prstDash val="solid"/>
+                    </a:lnT>
+                    <a:lnB w="3175">
+                      <a:solidFill>
+                        <a:srgbClr val="B7B8B8"/>
+                      </a:solidFill>
+                      <a:prstDash val="solid"/>
+                    </a:lnB>
+                  </a:tcPr>
+                </a:tc>
+                <a:tc>
+                  <a:txBody>
+                    <a:bodyPr/>
+                    <a:lstStyle/>
+                    <a:p>
+                      <a:pPr algn="ctr" fontAlgn="t"/>
                       <a:r>
-                        <a:rPr lang="en-US" sz="900" spc="0" dirty="0">
+                        <a:rPr lang="en-US" sz="900" b="0" i="0" u="none" strike="noStrike" dirty="0">
                           <a:solidFill>
                             <a:srgbClr val="020302"/>
                           </a:solidFill>
-                          <a:latin typeface="AdobeClean-Light"/>
-                          <a:cs typeface="AdobeClean-Light"/>
+                          <a:effectLst/>
+                          <a:latin typeface="AdobeClean-Light" panose="020B0503020404020204" pitchFamily="34" charset="0"/>
                         </a:rPr>
-                        <a:t> </a:t>
+                        <a:t>Business day / 1 day</a:t>
                       </a:r>
-                      <a:r>
-                        <a:rPr sz="900" spc="0" dirty="0">
-                          <a:solidFill>
-                            <a:srgbClr val="020302"/>
-                          </a:solidFill>
-                          <a:latin typeface="AdobeClean-Light"/>
-                          <a:cs typeface="AdobeClean-Light"/>
-                        </a:rPr>
-                        <a:t>/  </a:t>
-                      </a:r>
-                      <a:r>
-                        <a:rPr lang="en-US" sz="900" spc="0" dirty="0">
-                          <a:solidFill>
-                            <a:srgbClr val="020302"/>
-                          </a:solidFill>
-                          <a:latin typeface="AdobeClean-Light"/>
-                          <a:cs typeface="AdobeClean-Light"/>
-                        </a:rPr>
-                        <a:t> </a:t>
-                      </a:r>
-                      <a:r>
-                        <a:rPr sz="900" spc="0" dirty="0">
-                          <a:solidFill>
-                            <a:srgbClr val="020302"/>
-                          </a:solidFill>
-                          <a:latin typeface="AdobeClean-Light"/>
-                          <a:cs typeface="AdobeClean-Light"/>
-                        </a:rPr>
-                        <a:t>3 days</a:t>
-                      </a:r>
-                      <a:endParaRPr sz="900" spc="0" dirty="0">
-                        <a:latin typeface="AdobeClean-Light"/>
-                        <a:cs typeface="AdobeClean-Light"/>
-                      </a:endParaRPr>
-                    </a:p>
-                  </a:txBody>
-                  <a:tcPr marL="0" marR="0" marT="0" marB="0" anchor="ctr">
-                    <a:lnL w="3175">
-                      <a:solidFill>
-                        <a:srgbClr val="B7B8B8"/>
-                      </a:solidFill>
-                      <a:prstDash val="solid"/>
-                    </a:lnL>
-                    <a:lnR w="3175">
-                      <a:solidFill>
-                        <a:srgbClr val="B7B8B8"/>
-                      </a:solidFill>
-                      <a:prstDash val="solid"/>
-                    </a:lnR>
-                    <a:lnT w="3175">
-                      <a:solidFill>
-                        <a:srgbClr val="B7B8B8"/>
-                      </a:solidFill>
-                      <a:prstDash val="solid"/>
-                    </a:lnT>
-                    <a:lnB w="3175">
-                      <a:solidFill>
-                        <a:srgbClr val="B7B8B8"/>
-                      </a:solidFill>
-                      <a:prstDash val="solid"/>
-                    </a:lnB>
-                  </a:tcPr>
-                </a:tc>
-                <a:tc>
-                  <a:txBody>
-                    <a:bodyPr/>
-                    <a:lstStyle/>
-                    <a:p>
-                      <a:pPr marL="0" marR="223520" indent="-202565" algn="ctr">
-                        <a:lnSpc>
-                          <a:spcPct val="100000"/>
-                        </a:lnSpc>
-                        <a:spcBef>
-                          <a:spcPts val="155"/>
-                        </a:spcBef>
-                      </a:pPr>
-                      <a:r>
-                        <a:rPr sz="900" spc="0" dirty="0">
-                          <a:solidFill>
-                            <a:srgbClr val="020302"/>
-                          </a:solidFill>
-                          <a:latin typeface="AdobeClean-Light"/>
-                          <a:cs typeface="AdobeClean-Light"/>
-                        </a:rPr>
-                        <a:t>Business</a:t>
-                      </a:r>
-                      <a:r>
-                        <a:rPr lang="en-US" sz="900" spc="0" dirty="0">
-                          <a:solidFill>
-                            <a:srgbClr val="020302"/>
-                          </a:solidFill>
-                          <a:latin typeface="AdobeClean-Light"/>
-                          <a:cs typeface="AdobeClean-Light"/>
-                        </a:rPr>
-                        <a:t> </a:t>
-                      </a:r>
-                      <a:r>
-                        <a:rPr sz="900" spc="0" dirty="0">
-                          <a:solidFill>
-                            <a:srgbClr val="020302"/>
-                          </a:solidFill>
-                          <a:latin typeface="AdobeClean-Light"/>
-                          <a:cs typeface="AdobeClean-Light"/>
-                        </a:rPr>
-                        <a:t>day</a:t>
-                      </a:r>
-                      <a:r>
-                        <a:rPr lang="en-US" sz="900" spc="0" dirty="0">
-                          <a:solidFill>
-                            <a:srgbClr val="020302"/>
-                          </a:solidFill>
-                          <a:latin typeface="AdobeClean-Light"/>
-                          <a:cs typeface="AdobeClean-Light"/>
-                        </a:rPr>
-                        <a:t> </a:t>
-                      </a:r>
-                      <a:r>
-                        <a:rPr sz="900" spc="0" dirty="0">
-                          <a:solidFill>
-                            <a:srgbClr val="020302"/>
-                          </a:solidFill>
-                          <a:latin typeface="AdobeClean-Light"/>
-                          <a:cs typeface="AdobeClean-Light"/>
-                        </a:rPr>
-                        <a:t>/  </a:t>
-                      </a:r>
-                      <a:r>
-                        <a:rPr lang="en-US" sz="900" spc="0" dirty="0">
-                          <a:solidFill>
-                            <a:srgbClr val="020302"/>
-                          </a:solidFill>
-                          <a:latin typeface="AdobeClean-Light"/>
-                          <a:cs typeface="AdobeClean-Light"/>
-                        </a:rPr>
-                        <a:t>   </a:t>
-                      </a:r>
-                      <a:r>
-                        <a:rPr sz="900" spc="0" dirty="0">
-                          <a:solidFill>
-                            <a:srgbClr val="020302"/>
-                          </a:solidFill>
-                          <a:latin typeface="AdobeClean-Light"/>
-                          <a:cs typeface="AdobeClean-Light"/>
-                        </a:rPr>
-                        <a:t>1 day</a:t>
-                      </a:r>
-                      <a:endParaRPr sz="900" spc="0" dirty="0">
-                        <a:latin typeface="AdobeClean-Light"/>
-                        <a:cs typeface="AdobeClean-Light"/>
-                      </a:endParaRPr>
-                    </a:p>
-                  </a:txBody>
-                  <a:tcPr marL="0" marR="0" marT="0" marB="0" anchor="ctr">
-                    <a:lnL w="3175">
-                      <a:solidFill>
-                        <a:srgbClr val="B7B8B8"/>
-                      </a:solidFill>
-                      <a:prstDash val="solid"/>
-                    </a:lnL>
-                    <a:lnR w="3175">
-                      <a:solidFill>
-                        <a:srgbClr val="B7B8B8"/>
-                      </a:solidFill>
-                      <a:prstDash val="solid"/>
-                    </a:lnR>
-                    <a:lnT w="3175">
-                      <a:solidFill>
-                        <a:srgbClr val="B7B8B8"/>
-                      </a:solidFill>
-                      <a:prstDash val="solid"/>
-                    </a:lnT>
-                    <a:lnB w="3175">
-                      <a:solidFill>
-                        <a:srgbClr val="B7B8B8"/>
-                      </a:solidFill>
-                      <a:prstDash val="solid"/>
-                    </a:lnB>
-                  </a:tcPr>
-                </a:tc>
-                <a:tc>
-                  <a:txBody>
-                    <a:bodyPr/>
-                    <a:lstStyle/>
-                    <a:p>
-                      <a:pPr marL="0" marR="223520" indent="-202565" algn="ctr">
-                        <a:lnSpc>
-                          <a:spcPct val="100000"/>
-                        </a:lnSpc>
-                        <a:spcBef>
-                          <a:spcPts val="155"/>
-                        </a:spcBef>
-                      </a:pPr>
-                      <a:r>
-                        <a:rPr sz="900" spc="0" dirty="0">
-                          <a:solidFill>
-                            <a:srgbClr val="020302"/>
-                          </a:solidFill>
-                          <a:latin typeface="AdobeClean-Light"/>
-                          <a:cs typeface="AdobeClean-Light"/>
-                        </a:rPr>
-                        <a:t>Business</a:t>
-                      </a:r>
-                      <a:r>
-                        <a:rPr lang="en-US" sz="900" spc="0" dirty="0">
-                          <a:solidFill>
-                            <a:srgbClr val="020302"/>
-                          </a:solidFill>
-                          <a:latin typeface="AdobeClean-Light"/>
-                          <a:cs typeface="AdobeClean-Light"/>
-                        </a:rPr>
-                        <a:t> </a:t>
-                      </a:r>
-                      <a:r>
-                        <a:rPr sz="900" spc="0" dirty="0">
-                          <a:solidFill>
-                            <a:srgbClr val="020302"/>
-                          </a:solidFill>
-                          <a:latin typeface="AdobeClean-Light"/>
-                          <a:cs typeface="AdobeClean-Light"/>
-                        </a:rPr>
-                        <a:t>day</a:t>
-                      </a:r>
-                      <a:r>
-                        <a:rPr lang="en-US" sz="900" spc="0" dirty="0">
-                          <a:solidFill>
-                            <a:srgbClr val="020302"/>
-                          </a:solidFill>
-                          <a:latin typeface="AdobeClean-Light"/>
-                          <a:cs typeface="AdobeClean-Light"/>
-                        </a:rPr>
-                        <a:t> </a:t>
-                      </a:r>
-                      <a:r>
-                        <a:rPr sz="900" spc="0" dirty="0">
-                          <a:solidFill>
-                            <a:srgbClr val="020302"/>
-                          </a:solidFill>
-                          <a:latin typeface="AdobeClean-Light"/>
-                          <a:cs typeface="AdobeClean-Light"/>
-                        </a:rPr>
-                        <a:t>/  </a:t>
-                      </a:r>
-                      <a:r>
-                        <a:rPr lang="en-US" sz="900" spc="0" dirty="0">
-                          <a:solidFill>
-                            <a:srgbClr val="020302"/>
-                          </a:solidFill>
-                          <a:latin typeface="AdobeClean-Light"/>
-                          <a:cs typeface="AdobeClean-Light"/>
-                        </a:rPr>
-                        <a:t>    </a:t>
-                      </a:r>
-                      <a:r>
-                        <a:rPr sz="900" spc="0" dirty="0">
-                          <a:solidFill>
-                            <a:srgbClr val="020302"/>
-                          </a:solidFill>
-                          <a:latin typeface="AdobeClean-Light"/>
-                          <a:cs typeface="AdobeClean-Light"/>
-                        </a:rPr>
-                        <a:t>1 day</a:t>
-                      </a:r>
-                      <a:endParaRPr sz="900" spc="0" dirty="0">
-                        <a:latin typeface="AdobeClean-Light"/>
-                        <a:cs typeface="AdobeClean-Light"/>
-                      </a:endParaRPr>
-                    </a:p>
-                  </a:txBody>
-                  <a:tcPr marL="0" marR="0" marT="0" marB="0" anchor="ctr">
-                    <a:lnL w="3175">
-                      <a:solidFill>
-                        <a:srgbClr val="B7B8B8"/>
-                      </a:solidFill>
-                      <a:prstDash val="solid"/>
-                    </a:lnL>
-                    <a:lnR w="3175">
-                      <a:solidFill>
-                        <a:srgbClr val="B7B8B8"/>
-                      </a:solidFill>
-                      <a:prstDash val="solid"/>
-                    </a:lnR>
-                    <a:lnT w="3175">
-                      <a:solidFill>
-                        <a:srgbClr val="B7B8B8"/>
-                      </a:solidFill>
-                      <a:prstDash val="solid"/>
-                    </a:lnT>
-                    <a:lnB w="3175">
-                      <a:solidFill>
-                        <a:srgbClr val="B7B8B8"/>
-                      </a:solidFill>
-                      <a:prstDash val="solid"/>
-                    </a:lnB>
-                  </a:tcPr>
-                </a:tc>
-                <a:tc>
-                  <a:txBody>
-                    <a:bodyPr/>
-                    <a:lstStyle/>
-                    <a:p>
-                      <a:pPr marL="0" marR="223520" indent="-202565" algn="ctr">
-                        <a:lnSpc>
-                          <a:spcPct val="100000"/>
-                        </a:lnSpc>
-                        <a:spcBef>
-                          <a:spcPts val="155"/>
-                        </a:spcBef>
-                      </a:pPr>
-                      <a:r>
-                        <a:rPr sz="900" spc="0" dirty="0">
-                          <a:solidFill>
-                            <a:srgbClr val="020302"/>
-                          </a:solidFill>
-                          <a:latin typeface="AdobeClean-Light"/>
-                          <a:cs typeface="AdobeClean-Light"/>
-                        </a:rPr>
-                        <a:t>Business</a:t>
-                      </a:r>
-                      <a:r>
-                        <a:rPr lang="en-US" sz="900" spc="0" dirty="0">
-                          <a:solidFill>
-                            <a:srgbClr val="020302"/>
-                          </a:solidFill>
-                          <a:latin typeface="AdobeClean-Light"/>
-                          <a:cs typeface="AdobeClean-Light"/>
-                        </a:rPr>
-                        <a:t> </a:t>
-                      </a:r>
-                      <a:r>
-                        <a:rPr sz="900" spc="0" dirty="0">
-                          <a:solidFill>
-                            <a:srgbClr val="020302"/>
-                          </a:solidFill>
-                          <a:latin typeface="AdobeClean-Light"/>
-                          <a:cs typeface="AdobeClean-Light"/>
-                        </a:rPr>
-                        <a:t>day</a:t>
-                      </a:r>
-                      <a:r>
-                        <a:rPr lang="en-US" sz="900" spc="0" dirty="0">
-                          <a:solidFill>
-                            <a:srgbClr val="020302"/>
-                          </a:solidFill>
-                          <a:latin typeface="AdobeClean-Light"/>
-                          <a:cs typeface="AdobeClean-Light"/>
-                        </a:rPr>
-                        <a:t> </a:t>
-                      </a:r>
-                      <a:r>
-                        <a:rPr sz="900" spc="0" dirty="0">
-                          <a:solidFill>
-                            <a:srgbClr val="020302"/>
-                          </a:solidFill>
-                          <a:latin typeface="AdobeClean-Light"/>
-                          <a:cs typeface="AdobeClean-Light"/>
-                        </a:rPr>
-                        <a:t>/  </a:t>
-                      </a:r>
-                      <a:r>
-                        <a:rPr lang="en-US" sz="900" spc="0" dirty="0">
-                          <a:solidFill>
-                            <a:srgbClr val="020302"/>
-                          </a:solidFill>
-                          <a:latin typeface="AdobeClean-Light"/>
-                          <a:cs typeface="AdobeClean-Light"/>
-                        </a:rPr>
-                        <a:t>   </a:t>
-                      </a:r>
-                      <a:r>
-                        <a:rPr sz="900" spc="0" dirty="0">
-                          <a:solidFill>
-                            <a:srgbClr val="020302"/>
-                          </a:solidFill>
-                          <a:latin typeface="AdobeClean-Light"/>
-                          <a:cs typeface="AdobeClean-Light"/>
-                        </a:rPr>
-                        <a:t>1 day</a:t>
-                      </a:r>
-                      <a:endParaRPr sz="900" spc="0" dirty="0">
-                        <a:latin typeface="AdobeClean-Light"/>
-                        <a:cs typeface="AdobeClean-Light"/>
-                      </a:endParaRPr>
-                    </a:p>
-                  </a:txBody>
-                  <a:tcPr marL="0" marR="0" marT="0" marB="0" anchor="ctr">
+                    </a:p>
+                  </a:txBody>
+                  <a:tcPr marL="9525" marR="9525" marT="9525" marB="0" anchor="ctr">
                     <a:lnL w="3175">
                       <a:solidFill>
                         <a:srgbClr val="B7B8B8"/>
@@ -9403,7 +8591,7 @@
           </a:prstGeom>
         </p:spPr>
         <p:txBody>
-          <a:bodyPr vert="horz" wrap="square" lIns="0" tIns="12700" rIns="0" bIns="0" rtlCol="0">
+          <a:bodyPr vert="horz" wrap="square" lIns="0" tIns="12700" rIns="0" bIns="0" rtlCol="0" anchor="t">
             <a:spAutoFit/>
           </a:bodyPr>
           <a:lstStyle/>
@@ -9418,15 +8606,15 @@
             </a:pPr>
             <a:r>
               <a:rPr sz="2300" dirty="0">
-                <a:latin typeface="Adobe Clean" panose="020B0503020404020204" pitchFamily="34" charset="0"/>
+                <a:latin typeface="Adobe Clean"/>
               </a:rPr>
               <a:t>ADOBE </a:t>
             </a:r>
             <a:r>
               <a:rPr lang="en-US" sz="2300" dirty="0">
-                <a:latin typeface="Adobe Clean" panose="020B0503020404020204" pitchFamily="34" charset="0"/>
-              </a:rPr>
-              <a:t>SUPPORT OFFERINGS</a:t>
+                <a:latin typeface="Adobe Clean"/>
+              </a:rPr>
+              <a:t>SUPPORT PLANS</a:t>
             </a:r>
             <a:endParaRPr sz="2300" dirty="0">
               <a:latin typeface="Adobe Clean" panose="020B0503020404020204" pitchFamily="34" charset="0"/>
@@ -9707,7 +8895,7 @@
           </a:prstGeom>
         </p:spPr>
         <p:txBody>
-          <a:bodyPr vert="horz" wrap="square" lIns="0" tIns="35560" rIns="0" bIns="0" rtlCol="0">
+          <a:bodyPr vert="horz" wrap="square" lIns="0" tIns="35560" rIns="0" bIns="0" rtlCol="0" anchor="t">
             <a:spAutoFit/>
           </a:bodyPr>
           <a:lstStyle/>
@@ -9771,104 +8959,104 @@
               <a:t> </a:t>
             </a:r>
             <a:r>
-              <a:rPr sz="1000" spc="-20" dirty="0">
+              <a:rPr lang="en-US" sz="1000" spc="-20" dirty="0">
                 <a:solidFill>
                   <a:srgbClr val="020302"/>
                 </a:solidFill>
                 <a:latin typeface="AdobeClean-Light"/>
                 <a:cs typeface="AdobeClean-Light"/>
               </a:rPr>
-              <a:t>online</a:t>
-            </a:r>
-            <a:r>
-              <a:rPr sz="1000" spc="-125" dirty="0">
+              <a:t>online resources </a:t>
+            </a:r>
+            <a:r>
+              <a:rPr sz="1000" spc="-15" dirty="0">
                 <a:solidFill>
                   <a:srgbClr val="020302"/>
                 </a:solidFill>
                 <a:latin typeface="AdobeClean-Light"/>
                 <a:cs typeface="AdobeClean-Light"/>
               </a:rPr>
-              <a:t> </a:t>
-            </a:r>
-            <a:r>
-              <a:rPr sz="1000" spc="-20" dirty="0">
+              <a:t>for</a:t>
+            </a:r>
+            <a:r>
+              <a:rPr sz="1000" spc="-30" dirty="0">
                 <a:solidFill>
                   <a:srgbClr val="020302"/>
                 </a:solidFill>
                 <a:latin typeface="AdobeClean-Light"/>
                 <a:cs typeface="AdobeClean-Light"/>
               </a:rPr>
-              <a:t>resources</a:t>
-            </a:r>
-            <a:r>
-              <a:rPr sz="1000" spc="-120" dirty="0">
+              <a:t> </a:t>
+            </a:r>
+            <a:r>
+              <a:rPr sz="1000" spc="-15" dirty="0">
                 <a:solidFill>
                   <a:srgbClr val="020302"/>
                 </a:solidFill>
                 <a:latin typeface="AdobeClean-Light"/>
                 <a:cs typeface="AdobeClean-Light"/>
               </a:rPr>
-              <a:t> </a:t>
-            </a:r>
-            <a:r>
-              <a:rPr sz="1000" spc="-15" dirty="0">
+              <a:t>documentation,</a:t>
+            </a:r>
+            <a:r>
+              <a:rPr lang="en-US" sz="1000" spc="-15" dirty="0">
                 <a:solidFill>
                   <a:srgbClr val="020302"/>
                 </a:solidFill>
                 <a:latin typeface="AdobeClean-Light"/>
                 <a:cs typeface="AdobeClean-Light"/>
               </a:rPr>
-              <a:t>for</a:t>
-            </a:r>
-            <a:r>
-              <a:rPr sz="1000" spc="-30" dirty="0">
+              <a:t> </a:t>
+            </a:r>
+            <a:r>
+              <a:rPr sz="1000" spc="-15" dirty="0">
                 <a:solidFill>
                   <a:srgbClr val="020302"/>
                 </a:solidFill>
                 <a:latin typeface="AdobeClean-Light"/>
                 <a:cs typeface="AdobeClean-Light"/>
               </a:rPr>
-              <a:t> </a:t>
-            </a:r>
-            <a:r>
-              <a:rPr sz="1000" spc="-15" dirty="0">
+              <a:t>engagement</a:t>
+            </a:r>
+            <a:r>
+              <a:rPr lang="en-US" sz="1000" spc="-15" dirty="0">
                 <a:solidFill>
                   <a:srgbClr val="020302"/>
                 </a:solidFill>
                 <a:latin typeface="AdobeClean-Light"/>
                 <a:cs typeface="AdobeClean-Light"/>
               </a:rPr>
-              <a:t>documentation,</a:t>
-            </a:r>
-            <a:r>
-              <a:rPr lang="en-US" sz="1000" spc="-15" dirty="0">
+              <a:t> </a:t>
+            </a:r>
+            <a:r>
+              <a:rPr sz="1000" spc="-15" dirty="0">
                 <a:solidFill>
                   <a:srgbClr val="020302"/>
                 </a:solidFill>
                 <a:latin typeface="AdobeClean-Light"/>
                 <a:cs typeface="AdobeClean-Light"/>
               </a:rPr>
-              <a:t> </a:t>
-            </a:r>
-            <a:r>
-              <a:rPr sz="1000" spc="-15" dirty="0">
+              <a:t>with</a:t>
+            </a:r>
+            <a:r>
+              <a:rPr sz="1000" spc="-35" dirty="0">
                 <a:solidFill>
                   <a:srgbClr val="020302"/>
                 </a:solidFill>
                 <a:latin typeface="AdobeClean-Light"/>
                 <a:cs typeface="AdobeClean-Light"/>
               </a:rPr>
-              <a:t>engagement</a:t>
-            </a:r>
-            <a:r>
-              <a:rPr lang="en-US" sz="1000" spc="-15" dirty="0">
+              <a:t> </a:t>
+            </a:r>
+            <a:r>
+              <a:rPr sz="1000" spc="-20" dirty="0">
                 <a:solidFill>
                   <a:srgbClr val="020302"/>
                 </a:solidFill>
                 <a:latin typeface="AdobeClean-Light"/>
                 <a:cs typeface="AdobeClean-Light"/>
               </a:rPr>
-              <a:t> </a:t>
+              <a:t>other experts </a:t>
             </a:r>
             <a:r>
               <a:rPr sz="1000" spc="-15" dirty="0">
@@ -9878,150 +9066,110 @@
                 <a:latin typeface="AdobeClean-Light"/>
                 <a:cs typeface="AdobeClean-Light"/>
               </a:rPr>
-              <a:t>with</a:t>
-            </a:r>
-            <a:r>
-              <a:rPr sz="1000" spc="-35" dirty="0">
+              <a:t>and </a:t>
+            </a:r>
+            <a:r>
+              <a:rPr sz="1000" spc="-20" dirty="0">
                 <a:solidFill>
                   <a:srgbClr val="020302"/>
                 </a:solidFill>
                 <a:latin typeface="AdobeClean-Light"/>
                 <a:cs typeface="AdobeClean-Light"/>
               </a:rPr>
-              <a:t> </a:t>
-            </a:r>
-            <a:r>
-              <a:rPr sz="1000" spc="-20" dirty="0">
+              <a:t>customers </a:t>
+            </a:r>
+            <a:r>
+              <a:rPr sz="1000" spc="-15" dirty="0">
                 <a:solidFill>
                   <a:srgbClr val="020302"/>
                 </a:solidFill>
                 <a:latin typeface="AdobeClean-Light"/>
                 <a:cs typeface="AdobeClean-Light"/>
               </a:rPr>
-              <a:t>other experts </a:t>
-            </a:r>
-            <a:r>
-              <a:rPr sz="1000" spc="-15" dirty="0">
+              <a:t>for best </a:t>
+            </a:r>
+            <a:r>
+              <a:rPr sz="1000" spc="-20" dirty="0">
                 <a:solidFill>
                   <a:srgbClr val="020302"/>
                 </a:solidFill>
                 <a:latin typeface="AdobeClean-Light"/>
                 <a:cs typeface="AdobeClean-Light"/>
               </a:rPr>
-              <a:t>and </a:t>
-            </a:r>
-            <a:r>
-              <a:rPr sz="1000" spc="-20" dirty="0">
+              <a:t>practices, </a:t>
+            </a:r>
+            <a:r>
+              <a:rPr sz="1000" spc="-15" dirty="0">
                 <a:solidFill>
                   <a:srgbClr val="020302"/>
                 </a:solidFill>
                 <a:latin typeface="AdobeClean-Light"/>
                 <a:cs typeface="AdobeClean-Light"/>
               </a:rPr>
-              <a:t>customers </a:t>
-            </a:r>
-            <a:r>
-              <a:rPr sz="1000" spc="-15" dirty="0">
+              <a:t>and </a:t>
+            </a:r>
+            <a:r>
+              <a:rPr sz="1000" spc="-20" dirty="0">
                 <a:solidFill>
                   <a:srgbClr val="020302"/>
                 </a:solidFill>
                 <a:latin typeface="AdobeClean-Light"/>
                 <a:cs typeface="AdobeClean-Light"/>
               </a:rPr>
-              <a:t>for best </a:t>
-            </a:r>
-            <a:r>
-              <a:rPr sz="1000" spc="-20" dirty="0">
+              <a:t>webinar series (Office </a:t>
+            </a:r>
+            <a:r>
+              <a:rPr sz="1000" spc="-15" dirty="0">
                 <a:solidFill>
                   <a:srgbClr val="020302"/>
                 </a:solidFill>
                 <a:latin typeface="AdobeClean-Light"/>
                 <a:cs typeface="AdobeClean-Light"/>
               </a:rPr>
-              <a:t>practices, </a:t>
-            </a:r>
-            <a:r>
-              <a:rPr sz="1000" spc="-15" dirty="0">
+              <a:t>Hours) for </a:t>
+            </a:r>
+            <a:r>
+              <a:rPr sz="1000" spc="-20" dirty="0">
                 <a:solidFill>
                   <a:srgbClr val="020302"/>
                 </a:solidFill>
                 <a:latin typeface="AdobeClean-Light"/>
                 <a:cs typeface="AdobeClean-Light"/>
               </a:rPr>
-              <a:t>and </a:t>
-            </a:r>
-            <a:r>
-              <a:rPr sz="1000" spc="-20" dirty="0">
+              <a:t>troubleshooting </a:t>
+            </a:r>
+            <a:r>
+              <a:rPr sz="1000" spc="-15" dirty="0">
                 <a:solidFill>
                   <a:srgbClr val="020302"/>
                 </a:solidFill>
                 <a:latin typeface="AdobeClean-Light"/>
                 <a:cs typeface="AdobeClean-Light"/>
               </a:rPr>
-              <a:t>webinar series (Office  </a:t>
-            </a:r>
-            <a:r>
-              <a:rPr sz="1000" spc="-15" dirty="0">
+              <a:t>tips and </a:t>
+            </a:r>
+            <a:r>
+              <a:rPr sz="1000" spc="-20" dirty="0">
                 <a:solidFill>
                   <a:srgbClr val="020302"/>
                 </a:solidFill>
                 <a:latin typeface="AdobeClean-Light"/>
                 <a:cs typeface="AdobeClean-Light"/>
               </a:rPr>
-              <a:t>Hours) for </a:t>
-            </a:r>
-            <a:r>
-              <a:rPr sz="1000" spc="-20" dirty="0">
+              <a:t>tricks. Several channels </a:t>
+            </a:r>
+            <a:r>
+              <a:rPr lang="en-US" sz="1000" spc="-15" dirty="0">
                 <a:solidFill>
                   <a:srgbClr val="020302"/>
                 </a:solidFill>
                 <a:latin typeface="AdobeClean-Light"/>
                 <a:cs typeface="AdobeClean-Light"/>
               </a:rPr>
-              <a:t>troubleshooting </a:t>
-            </a:r>
-            <a:r>
-              <a:rPr sz="1000" spc="-15" dirty="0">
-                <a:solidFill>
-                  <a:srgbClr val="020302"/>
-                </a:solidFill>
-                <a:latin typeface="AdobeClean-Light"/>
-                <a:cs typeface="AdobeClean-Light"/>
-              </a:rPr>
-              <a:t>tips and </a:t>
-            </a:r>
-            <a:r>
-              <a:rPr sz="1000" spc="-20" dirty="0">
-                <a:solidFill>
-                  <a:srgbClr val="020302"/>
-                </a:solidFill>
-                <a:latin typeface="AdobeClean-Light"/>
-                <a:cs typeface="AdobeClean-Light"/>
-              </a:rPr>
-              <a:t>tricks. Several channels </a:t>
-            </a:r>
-            <a:r>
-              <a:rPr sz="1000" spc="-15" dirty="0">
-                <a:solidFill>
-                  <a:srgbClr val="020302"/>
-                </a:solidFill>
-                <a:latin typeface="AdobeClean-Light"/>
-                <a:cs typeface="AdobeClean-Light"/>
-              </a:rPr>
-              <a:t>are</a:t>
-            </a:r>
-            <a:r>
-              <a:rPr sz="1000" spc="-140" dirty="0">
-                <a:solidFill>
-                  <a:srgbClr val="020302"/>
-                </a:solidFill>
-                <a:latin typeface="AdobeClean-Light"/>
-                <a:cs typeface="AdobeClean-Light"/>
-              </a:rPr>
-              <a:t> </a:t>
-            </a:r>
-            <a:r>
-              <a:rPr sz="1000" spc="-20" dirty="0">
+              <a:t>are </a:t>
+            </a:r>
+            <a:r>
+              <a:rPr lang="en-US" sz="1000" spc="-20" dirty="0">
                 <a:solidFill>
                   <a:srgbClr val="020302"/>
                 </a:solidFill>
@@ -10146,6 +9294,16 @@
                 <a:cs typeface="AdobeClean-Light"/>
               </a:rPr>
               <a:t>submissions</a:t>
+            </a:r>
+            <a:r>
+              <a:rPr lang="en-US" sz="1000" spc="-20" dirty="0">
+                <a:solidFill>
+                  <a:srgbClr val="020302"/>
+                </a:solidFill>
+                <a:latin typeface="AdobeClean-Light"/>
+                <a:cs typeface="AdobeClean-Light"/>
+              </a:rPr>
+              <a:t>.</a:t>
             </a:r>
             <a:endParaRPr sz="1000" dirty="0">
               <a:latin typeface="AdobeClean-Light"/>
@@ -10170,15 +9328,12 @@
           </a:prstGeom>
         </p:spPr>
         <p:txBody>
-          <a:bodyPr vert="horz" wrap="square" lIns="0" tIns="12700" rIns="0" bIns="0" rtlCol="0">
+          <a:bodyPr vert="horz" wrap="square" lIns="0" tIns="12700" rIns="0" bIns="0" rtlCol="0" anchor="t">
             <a:spAutoFit/>
           </a:bodyPr>
           <a:lstStyle/>
           <a:p>
             <a:pPr marL="33020" marR="159385">
-              <a:lnSpc>
-                <a:spcPct val="100000"/>
-              </a:lnSpc>
               <a:spcBef>
                 <a:spcPts val="100"/>
               </a:spcBef>
@@ -10244,105 +9399,118 @@
                 <a:latin typeface="AdobeClean-Light"/>
                 <a:cs typeface="AdobeClean-Light"/>
               </a:rPr>
-              <a:t>get </a:t>
-            </a:r>
-            <a:r>
-              <a:rPr sz="900" spc="30" dirty="0">
+              <a:t>get</a:t>
+            </a:r>
+            <a:r>
+              <a:rPr lang="en-US" sz="900" spc="-10" dirty="0">
                 <a:solidFill>
                   <a:srgbClr val="020302"/>
                 </a:solidFill>
                 <a:latin typeface="AdobeClean-Light"/>
                 <a:cs typeface="AdobeClean-Light"/>
               </a:rPr>
-              <a:t> </a:t>
-            </a:r>
-            <a:r>
-              <a:rPr sz="900" spc="-20" dirty="0">
+              <a:t> </a:t>
+            </a:r>
+            <a:r>
+              <a:rPr sz="900" spc="30" dirty="0">
                 <a:solidFill>
                   <a:srgbClr val="020302"/>
                 </a:solidFill>
                 <a:latin typeface="AdobeClean-Light"/>
                 <a:cs typeface="AdobeClean-Light"/>
               </a:rPr>
-              <a:t>answers</a:t>
-            </a:r>
-            <a:r>
-              <a:rPr lang="en-US" sz="900" spc="-45" dirty="0">
+              <a:t> </a:t>
+            </a:r>
+            <a:r>
+              <a:rPr sz="900" spc="-20" dirty="0">
                 <a:solidFill>
                   <a:srgbClr val="020302"/>
                 </a:solidFill>
                 <a:latin typeface="AdobeClean-Light"/>
                 <a:cs typeface="AdobeClean-Light"/>
               </a:rPr>
-              <a:t> </a:t>
-            </a:r>
-            <a:r>
-              <a:rPr lang="en-US" sz="900" dirty="0">
+              <a:t>answers</a:t>
+            </a:r>
+            <a:r>
+              <a:rPr lang="en-US" sz="900" spc="-45" dirty="0">
                 <a:solidFill>
                   <a:srgbClr val="020302"/>
                 </a:solidFill>
                 <a:latin typeface="AdobeClean-Light"/>
                 <a:cs typeface="AdobeClean-Light"/>
               </a:rPr>
-              <a:t>&amp; </a:t>
-            </a:r>
-            <a:r>
-              <a:rPr sz="900" spc="-15" dirty="0">
+              <a:t> </a:t>
+            </a:r>
+            <a:r>
+              <a:rPr lang="en-US" sz="900" dirty="0">
                 <a:solidFill>
                   <a:srgbClr val="020302"/>
                 </a:solidFill>
                 <a:latin typeface="AdobeClean-Light"/>
                 <a:cs typeface="AdobeClean-Light"/>
               </a:rPr>
-              <a:t>help </a:t>
-            </a:r>
-            <a:r>
-              <a:rPr sz="900" spc="-10" dirty="0">
+              <a:t>&amp; </a:t>
+            </a:r>
+            <a:r>
+              <a:rPr sz="900" spc="-15" dirty="0">
                 <a:solidFill>
                   <a:srgbClr val="020302"/>
                 </a:solidFill>
                 <a:latin typeface="AdobeClean-Light"/>
                 <a:cs typeface="AdobeClean-Light"/>
               </a:rPr>
-              <a:t>with</a:t>
-            </a:r>
-            <a:r>
-              <a:rPr sz="900" spc="85" dirty="0">
+              <a:t>help </a:t>
+            </a:r>
+            <a:r>
+              <a:rPr sz="900" spc="-10" dirty="0">
                 <a:solidFill>
                   <a:srgbClr val="020302"/>
                 </a:solidFill>
                 <a:latin typeface="AdobeClean-Light"/>
                 <a:cs typeface="AdobeClean-Light"/>
               </a:rPr>
-              <a:t> </a:t>
-            </a:r>
-            <a:r>
-              <a:rPr sz="900" spc="-10" dirty="0">
+              <a:t>with</a:t>
+            </a:r>
+            <a:r>
+              <a:rPr sz="900" spc="85" dirty="0">
                 <a:solidFill>
                   <a:srgbClr val="020302"/>
                 </a:solidFill>
                 <a:latin typeface="AdobeClean-Light"/>
                 <a:cs typeface="AdobeClean-Light"/>
               </a:rPr>
-              <a:t>case </a:t>
-            </a:r>
-            <a:r>
-              <a:rPr sz="900" spc="-20" dirty="0">
+              <a:t> </a:t>
+            </a:r>
+            <a:r>
+              <a:rPr sz="900" spc="-10" dirty="0">
                 <a:solidFill>
                   <a:srgbClr val="020302"/>
                 </a:solidFill>
                 <a:latin typeface="AdobeClean-Light"/>
                 <a:cs typeface="AdobeClean-Light"/>
               </a:rPr>
+              <a:t>case </a:t>
+            </a:r>
+            <a:r>
+              <a:rPr sz="900" spc="-20" dirty="0">
+                <a:solidFill>
+                  <a:srgbClr val="020302"/>
+                </a:solidFill>
+                <a:latin typeface="AdobeClean-Light"/>
+                <a:cs typeface="AdobeClean-Light"/>
+              </a:rPr>
               <a:t>submission</a:t>
             </a:r>
-            <a:endParaRPr lang="en-US" sz="900" spc="-20" dirty="0">
-              <a:solidFill>
-                <a:srgbClr val="020302"/>
-              </a:solidFill>
-              <a:latin typeface="AdobeClean-Light"/>
-              <a:cs typeface="AdobeClean-Light"/>
-            </a:endParaRPr>
+            <a:r>
+              <a:rPr lang="en-US" sz="900" spc="-20" dirty="0">
+                <a:solidFill>
+                  <a:srgbClr val="020302"/>
+                </a:solidFill>
+                <a:latin typeface="AdobeClean-Light"/>
+                <a:cs typeface="AdobeClean-Light"/>
+              </a:rPr>
+              <a:t>.</a:t>
+            </a:r>
           </a:p>
           <a:p>
             <a:pPr marL="33020" marR="159385">
@@ -11834,14 +11002,14 @@
         <p:spPr>
           <a:xfrm>
             <a:off x="6754821" y="9283729"/>
-            <a:ext cx="930275" cy="662305"/>
+            <a:ext cx="930275" cy="758541"/>
           </a:xfrm>
           <a:prstGeom prst="rect">
             <a:avLst/>
           </a:prstGeom>
         </p:spPr>
         <p:txBody>
-          <a:bodyPr vert="horz" wrap="square" lIns="0" tIns="12065" rIns="0" bIns="0" rtlCol="0">
+          <a:bodyPr vert="horz" wrap="square" lIns="0" tIns="12065" rIns="0" bIns="0" rtlCol="0" anchor="t">
             <a:spAutoFit/>
           </a:bodyPr>
           <a:lstStyle/>
@@ -11883,29 +11051,19 @@
                 <a:latin typeface="Adobe Clean"/>
                 <a:cs typeface="Adobe Clean"/>
               </a:rPr>
-              <a:t>345 Park</a:t>
-            </a:r>
-            <a:r>
-              <a:rPr sz="800" spc="-100" dirty="0">
+              <a:t>345 </a:t>
+            </a:r>
+            <a:r>
+              <a:rPr lang="en-US" sz="800" spc="-15" dirty="0">
                 <a:solidFill>
                   <a:srgbClr val="777879"/>
                 </a:solidFill>
                 <a:latin typeface="Adobe Clean"/>
                 <a:cs typeface="Adobe Clean"/>
               </a:rPr>
-              <a:t> </a:t>
-            </a:r>
-            <a:r>
-              <a:rPr sz="800" spc="-15" dirty="0">
-                <a:solidFill>
-                  <a:srgbClr val="777879"/>
-                </a:solidFill>
-                <a:latin typeface="Adobe Clean"/>
-                <a:cs typeface="Adobe Clean"/>
-              </a:rPr>
-              <a:t>Avenue</a:t>
-            </a:r>
-            <a:endParaRPr sz="800">
+              <a:t>Park Avenue</a:t>
+            </a:r>
+            <a:endParaRPr sz="800" dirty="0">
               <a:latin typeface="Adobe Clean"/>
               <a:cs typeface="Adobe Clean"/>
             </a:endParaRPr>
@@ -12174,7 +11332,7 @@
           </a:prstGeom>
         </p:spPr>
         <p:txBody>
-          <a:bodyPr vert="horz" wrap="square" lIns="0" tIns="29845" rIns="0" bIns="0" rtlCol="0">
+          <a:bodyPr vert="horz" wrap="square" lIns="0" tIns="29845" rIns="0" bIns="0" rtlCol="0" anchor="t">
             <a:spAutoFit/>
           </a:bodyPr>
           <a:lstStyle/>
@@ -12525,27 +11683,27 @@
                 <a:latin typeface="AdobeClean-LightIt"/>
                 <a:cs typeface="AdobeClean-LightIt"/>
               </a:rPr>
-              <a:t>Manager  </a:t>
-            </a:r>
-            <a:r>
-              <a:rPr sz="1100" i="1" spc="-15" dirty="0">
+              <a:t>Manager</a:t>
+            </a:r>
+            <a:r>
+              <a:rPr lang="en-US" sz="1100" i="1" spc="-20" dirty="0">
                 <a:solidFill>
                   <a:srgbClr val="777879"/>
                 </a:solidFill>
                 <a:latin typeface="AdobeClean-LightIt"/>
                 <a:cs typeface="AdobeClean-LightIt"/>
               </a:rPr>
-              <a:t>(NAM) </a:t>
-            </a:r>
-            <a:r>
-              <a:rPr sz="1100" i="1" spc="-10" dirty="0">
+              <a:t> </a:t>
+            </a:r>
+            <a:r>
+              <a:rPr sz="1100" i="1" spc="-20" dirty="0">
                 <a:solidFill>
                   <a:srgbClr val="777879"/>
                 </a:solidFill>
                 <a:latin typeface="AdobeClean-LightIt"/>
                 <a:cs typeface="AdobeClean-LightIt"/>
               </a:rPr>
-              <a:t>or </a:t>
+              <a:t> </a:t>
             </a:r>
             <a:r>
               <a:rPr sz="1100" i="1" spc="-15" dirty="0">
@@ -12555,37 +11713,77 @@
                 <a:latin typeface="AdobeClean-LightIt"/>
                 <a:cs typeface="AdobeClean-LightIt"/>
               </a:rPr>
-              <a:t>Customer </a:t>
-            </a:r>
-            <a:r>
-              <a:rPr sz="1100" i="1" spc="-20" dirty="0">
+              <a:t>(NAM) </a:t>
+            </a:r>
+            <a:r>
+              <a:rPr sz="1100" i="1" spc="-10" dirty="0">
                 <a:solidFill>
                   <a:srgbClr val="777879"/>
                 </a:solidFill>
                 <a:latin typeface="AdobeClean-LightIt"/>
                 <a:cs typeface="AdobeClean-LightIt"/>
               </a:rPr>
-              <a:t>Success</a:t>
-            </a:r>
-            <a:r>
-              <a:rPr sz="1100" i="1" spc="-180" dirty="0">
+              <a:t>or </a:t>
+            </a:r>
+            <a:r>
+              <a:rPr sz="1100" i="1" spc="-15" dirty="0">
                 <a:solidFill>
                   <a:srgbClr val="777879"/>
                 </a:solidFill>
                 <a:latin typeface="AdobeClean-LightIt"/>
                 <a:cs typeface="AdobeClean-LightIt"/>
               </a:rPr>
-              <a:t> </a:t>
-            </a:r>
-            <a:r>
-              <a:rPr sz="1100" i="1" spc="-15" dirty="0">
+              <a:t>Customer </a:t>
+            </a:r>
+            <a:r>
+              <a:rPr sz="1100" i="1" spc="-20" dirty="0">
                 <a:solidFill>
                   <a:srgbClr val="777879"/>
                 </a:solidFill>
                 <a:latin typeface="AdobeClean-LightIt"/>
                 <a:cs typeface="AdobeClean-LightIt"/>
               </a:rPr>
-              <a:t>Manager(CSM)</a:t>
+              <a:t>Success</a:t>
+            </a:r>
+            <a:r>
+              <a:rPr lang="en-US" sz="1100" i="1" spc="-20" dirty="0">
+                <a:solidFill>
+                  <a:srgbClr val="777879"/>
+                </a:solidFill>
+                <a:latin typeface="AdobeClean-LightIt"/>
+                <a:cs typeface="AdobeClean-LightIt"/>
+              </a:rPr>
+              <a:t> </a:t>
+            </a:r>
+            <a:r>
+              <a:rPr sz="1100" i="1" spc="-15" dirty="0">
+                <a:solidFill>
+                  <a:srgbClr val="777879"/>
+                </a:solidFill>
+                <a:latin typeface="AdobeClean-LightIt"/>
+                <a:cs typeface="AdobeClean-LightIt"/>
+              </a:rPr>
+              <a:t>Manager</a:t>
+            </a:r>
+            <a:r>
+              <a:rPr lang="en-US" sz="1100" i="1" spc="-15" dirty="0">
+                <a:solidFill>
+                  <a:srgbClr val="777879"/>
+                </a:solidFill>
+                <a:latin typeface="AdobeClean-LightIt"/>
+                <a:cs typeface="AdobeClean-LightIt"/>
+              </a:rPr>
+              <a:t> </a:t>
+            </a:r>
+            <a:r>
+              <a:rPr sz="1100" i="1" spc="-15" dirty="0">
+                <a:solidFill>
+                  <a:srgbClr val="777879"/>
+                </a:solidFill>
+                <a:latin typeface="AdobeClean-LightIt"/>
+                <a:cs typeface="AdobeClean-LightIt"/>
+              </a:rPr>
+              <a:t>(CSM)</a:t>
             </a:r>
             <a:endParaRPr sz="1100" dirty="0">
               <a:latin typeface="AdobeClean-LightIt"/>
@@ -14152,14 +13350,14 @@
           <p:nvPr>
             <p:extLst>
               <p:ext uri="{D42A27DB-BD31-4B8C-83A1-F6EECF244321}">
-                <p14:modId xmlns:p14="http://schemas.microsoft.com/office/powerpoint/2010/main" val="375036756"/>
+                <p14:modId xmlns:p14="http://schemas.microsoft.com/office/powerpoint/2010/main" val="1366573891"/>
               </p:ext>
             </p:extLst>
           </p:nvPr>
         </p:nvGraphicFramePr>
         <p:xfrm>
           <a:off x="194236" y="1059345"/>
-          <a:ext cx="7368291" cy="3235960"/>
+          <a:ext cx="7368291" cy="2931160"/>
         </p:xfrm>
         <a:graphic>
           <a:graphicData uri="http://schemas.openxmlformats.org/drawingml/2006/table">
@@ -14837,7 +14035,7 @@
                           <a:ea typeface="+mn-ea"/>
                           <a:cs typeface="+mn-cs"/>
                         </a:rPr>
-                        <a:t>Terms and conditions detailing Support Services offerings</a:t>
+                        <a:t>Terms and conditions detailing Support Services offerings.</a:t>
                       </a:r>
                     </a:p>
                   </a:txBody>
@@ -15608,12 +14806,21 @@
 </file>
 
 <file path=customXml/item1.xml><?xml version="1.0" encoding="utf-8"?>
+<?mso-contentType ?>
+<FormTemplates xmlns="http://schemas.microsoft.com/sharepoint/v3/contenttype/forms">
+  <Display>DocumentLibraryForm</Display>
+  <Edit>DocumentLibraryForm</Edit>
+  <New>DocumentLibraryForm</New>
+</FormTemplates>
+</file>
+
+<file path=customXml/item2.xml><?xml version="1.0" encoding="utf-8"?>
 <p:properties xmlns:p="http://schemas.microsoft.com/office/2006/metadata/properties" xmlns:xsi="http://www.w3.org/2001/XMLSchema-instance" xmlns:pc="http://schemas.microsoft.com/office/infopath/2007/PartnerControls">
   <documentManagement/>
 </p:properties>
 </file>
 
-<file path=customXml/item2.xml><?xml version="1.0" encoding="utf-8"?>
+<file path=customXml/item3.xml><?xml version="1.0" encoding="utf-8"?>
 <ct:contentTypeSchema xmlns:ct="http://schemas.microsoft.com/office/2006/metadata/contentType" xmlns:ma="http://schemas.microsoft.com/office/2006/metadata/properties/metaAttributes" ct:_="" ma:_="" ma:contentTypeName="Document" ma:contentTypeID="0x010100E783BF6876BCC646A459363AF21A7736" ma:contentTypeVersion="10" ma:contentTypeDescription="Create a new document." ma:contentTypeScope="" ma:versionID="c4ffda7f4f415767600769e454c2ea87">
   <xsd:schema xmlns:xsd="http://www.w3.org/2001/XMLSchema" xmlns:xs="http://www.w3.org/2001/XMLSchema" xmlns:p="http://schemas.microsoft.com/office/2006/metadata/properties" xmlns:ns2="8a053bff-88be-49e4-9a87-e748e18b8b62" xmlns:ns3="6c8368ec-3776-49b5-a5bb-90648cf9530f" targetNamespace="http://schemas.microsoft.com/office/2006/metadata/properties" ma:root="true" ma:fieldsID="df3ec33bccc23e23bce7bc897fad43d1" ns2:_="" ns3:_="">
     <xsd:import namespace="8a053bff-88be-49e4-9a87-e748e18b8b62"/>
@@ -15818,25 +15025,32 @@
 </ct:contentTypeSchema>
 </file>
 
-<file path=customXml/item3.xml><?xml version="1.0" encoding="utf-8"?>
-<?mso-contentType ?>
-<FormTemplates xmlns="http://schemas.microsoft.com/sharepoint/v3/contenttype/forms">
-  <Display>DocumentLibraryForm</Display>
-  <Edit>DocumentLibraryForm</Edit>
-  <New>DocumentLibraryForm</New>
-</FormTemplates>
-</file>
-
 <file path=customXml/itemProps1.xml><?xml version="1.0" encoding="utf-8"?>
-<ds:datastoreItem xmlns:ds="http://schemas.openxmlformats.org/officeDocument/2006/customXml" ds:itemID="{8D12BD98-169B-4BEE-86DF-4C9641DF23C4}">
+<ds:datastoreItem xmlns:ds="http://schemas.openxmlformats.org/officeDocument/2006/customXml" ds:itemID="{AC92E7FA-19A2-4675-9C77-2C92D8A268D1}">
   <ds:schemaRefs>
-    <ds:schemaRef ds:uri="http://schemas.microsoft.com/office/2006/metadata/properties"/>
-    <ds:schemaRef ds:uri="http://schemas.microsoft.com/office/infopath/2007/PartnerControls"/>
+    <ds:schemaRef ds:uri="http://schemas.microsoft.com/sharepoint/v3/contenttype/forms"/>
   </ds:schemaRefs>
 </ds:datastoreItem>
 </file>
 
 <file path=customXml/itemProps2.xml><?xml version="1.0" encoding="utf-8"?>
+<ds:datastoreItem xmlns:ds="http://schemas.openxmlformats.org/officeDocument/2006/customXml" ds:itemID="{8D12BD98-169B-4BEE-86DF-4C9641DF23C4}">
+  <ds:schemaRefs>
+    <ds:schemaRef ds:uri="http://schemas.microsoft.com/office/2006/documentManagement/types"/>
+    <ds:schemaRef ds:uri="http://schemas.microsoft.com/office/2006/metadata/properties"/>
+    <ds:schemaRef ds:uri="http://www.w3.org/XML/1998/namespace"/>
+    <ds:schemaRef ds:uri="http://purl.org/dc/terms/"/>
+    <ds:schemaRef ds:uri="http://purl.org/dc/elements/1.1/"/>
+    <ds:schemaRef ds:uri="http://schemas.microsoft.com/office/infopath/2007/PartnerControls"/>
+    <ds:schemaRef ds:uri="http://schemas.openxmlformats.org/package/2006/metadata/core-properties"/>
+    <ds:schemaRef ds:uri="8a053bff-88be-49e4-9a87-e748e18b8b62"/>
+    <ds:schemaRef ds:uri="6c8368ec-3776-49b5-a5bb-90648cf9530f"/>
+    <ds:schemaRef ds:uri="http://purl.org/dc/dcmitype/"/>
+  </ds:schemaRefs>
+</ds:datastoreItem>
+</file>
+
+<file path=customXml/itemProps3.xml><?xml version="1.0" encoding="utf-8"?>
 <ds:datastoreItem xmlns:ds="http://schemas.openxmlformats.org/officeDocument/2006/customXml" ds:itemID="{34863498-7BB7-4F09-9F4A-B99E97FDB0EB}">
   <ds:schemaRefs>
     <ds:schemaRef ds:uri="http://schemas.microsoft.com/office/2006/metadata/contentType"/>
@@ -15853,12 +15067,4 @@
     <ds:schemaRef ds:uri="http://schemas.microsoft.com/internal/obd"/>
   </ds:schemaRefs>
 </ds:datastoreItem>
-</file>
-
-<file path=customXml/itemProps3.xml><?xml version="1.0" encoding="utf-8"?>
-<ds:datastoreItem xmlns:ds="http://schemas.openxmlformats.org/officeDocument/2006/customXml" ds:itemID="{AC92E7FA-19A2-4675-9C77-2C92D8A268D1}">
-  <ds:schemaRefs>
-    <ds:schemaRef ds:uri="http://schemas.microsoft.com/sharepoint/v3/contenttype/forms"/>
-  </ds:schemaRefs>
-</ds:datastoreItem>
 </file>